--- a/figures_ppt/figure6.pptx
+++ b/figures_ppt/figure6.pptx
@@ -6,6 +6,7 @@
   </p:sldMasterIdLst>
   <p:sldIdLst>
     <p:sldId id="256" r:id="rId2"/>
+    <p:sldId id="257" r:id="rId3"/>
   </p:sldIdLst>
   <p:sldSz cx="12192000" cy="6858000"/>
   <p:notesSz cx="6858000" cy="9144000"/>
@@ -104,6 +105,11 @@
       </a:defRPr>
     </a:lvl9pPr>
   </p:defaultTextStyle>
+  <p:extLst>
+    <p:ext uri="{EFAFB233-063F-42B5-8137-9DF3F51BA10A}">
+      <p15:sldGuideLst xmlns:p15="http://schemas.microsoft.com/office/powerpoint/2012/main"/>
+    </p:ext>
+  </p:extLst>
 </p:presentation>
 </file>
 
@@ -254,7 +260,7 @@
           <a:p>
             <a:fld id="{BB2B09B9-9ADB-4B6C-B8B8-2C23B378804D}" type="datetimeFigureOut">
               <a:rPr lang="zh-CN" altLang="en-US" smtClean="0"/>
-              <a:t>2024/1/7</a:t>
+              <a:t>2024/5/23</a:t>
             </a:fld>
             <a:endParaRPr lang="zh-CN" altLang="en-US"/>
           </a:p>
@@ -452,7 +458,7 @@
           <a:p>
             <a:fld id="{BB2B09B9-9ADB-4B6C-B8B8-2C23B378804D}" type="datetimeFigureOut">
               <a:rPr lang="zh-CN" altLang="en-US" smtClean="0"/>
-              <a:t>2024/1/7</a:t>
+              <a:t>2024/5/23</a:t>
             </a:fld>
             <a:endParaRPr lang="zh-CN" altLang="en-US"/>
           </a:p>
@@ -660,7 +666,7 @@
           <a:p>
             <a:fld id="{BB2B09B9-9ADB-4B6C-B8B8-2C23B378804D}" type="datetimeFigureOut">
               <a:rPr lang="zh-CN" altLang="en-US" smtClean="0"/>
-              <a:t>2024/1/7</a:t>
+              <a:t>2024/5/23</a:t>
             </a:fld>
             <a:endParaRPr lang="zh-CN" altLang="en-US"/>
           </a:p>
@@ -858,7 +864,7 @@
           <a:p>
             <a:fld id="{BB2B09B9-9ADB-4B6C-B8B8-2C23B378804D}" type="datetimeFigureOut">
               <a:rPr lang="zh-CN" altLang="en-US" smtClean="0"/>
-              <a:t>2024/1/7</a:t>
+              <a:t>2024/5/23</a:t>
             </a:fld>
             <a:endParaRPr lang="zh-CN" altLang="en-US"/>
           </a:p>
@@ -1133,7 +1139,7 @@
           <a:p>
             <a:fld id="{BB2B09B9-9ADB-4B6C-B8B8-2C23B378804D}" type="datetimeFigureOut">
               <a:rPr lang="zh-CN" altLang="en-US" smtClean="0"/>
-              <a:t>2024/1/7</a:t>
+              <a:t>2024/5/23</a:t>
             </a:fld>
             <a:endParaRPr lang="zh-CN" altLang="en-US"/>
           </a:p>
@@ -1398,7 +1404,7 @@
           <a:p>
             <a:fld id="{BB2B09B9-9ADB-4B6C-B8B8-2C23B378804D}" type="datetimeFigureOut">
               <a:rPr lang="zh-CN" altLang="en-US" smtClean="0"/>
-              <a:t>2024/1/7</a:t>
+              <a:t>2024/5/23</a:t>
             </a:fld>
             <a:endParaRPr lang="zh-CN" altLang="en-US"/>
           </a:p>
@@ -1810,7 +1816,7 @@
           <a:p>
             <a:fld id="{BB2B09B9-9ADB-4B6C-B8B8-2C23B378804D}" type="datetimeFigureOut">
               <a:rPr lang="zh-CN" altLang="en-US" smtClean="0"/>
-              <a:t>2024/1/7</a:t>
+              <a:t>2024/5/23</a:t>
             </a:fld>
             <a:endParaRPr lang="zh-CN" altLang="en-US"/>
           </a:p>
@@ -1951,7 +1957,7 @@
           <a:p>
             <a:fld id="{BB2B09B9-9ADB-4B6C-B8B8-2C23B378804D}" type="datetimeFigureOut">
               <a:rPr lang="zh-CN" altLang="en-US" smtClean="0"/>
-              <a:t>2024/1/7</a:t>
+              <a:t>2024/5/23</a:t>
             </a:fld>
             <a:endParaRPr lang="zh-CN" altLang="en-US"/>
           </a:p>
@@ -2064,7 +2070,7 @@
           <a:p>
             <a:fld id="{BB2B09B9-9ADB-4B6C-B8B8-2C23B378804D}" type="datetimeFigureOut">
               <a:rPr lang="zh-CN" altLang="en-US" smtClean="0"/>
-              <a:t>2024/1/7</a:t>
+              <a:t>2024/5/23</a:t>
             </a:fld>
             <a:endParaRPr lang="zh-CN" altLang="en-US"/>
           </a:p>
@@ -2375,7 +2381,7 @@
           <a:p>
             <a:fld id="{BB2B09B9-9ADB-4B6C-B8B8-2C23B378804D}" type="datetimeFigureOut">
               <a:rPr lang="zh-CN" altLang="en-US" smtClean="0"/>
-              <a:t>2024/1/7</a:t>
+              <a:t>2024/5/23</a:t>
             </a:fld>
             <a:endParaRPr lang="zh-CN" altLang="en-US"/>
           </a:p>
@@ -2663,7 +2669,7 @@
           <a:p>
             <a:fld id="{BB2B09B9-9ADB-4B6C-B8B8-2C23B378804D}" type="datetimeFigureOut">
               <a:rPr lang="zh-CN" altLang="en-US" smtClean="0"/>
-              <a:t>2024/1/7</a:t>
+              <a:t>2024/5/23</a:t>
             </a:fld>
             <a:endParaRPr lang="zh-CN" altLang="en-US"/>
           </a:p>
@@ -2904,7 +2910,7 @@
           <a:p>
             <a:fld id="{BB2B09B9-9ADB-4B6C-B8B8-2C23B378804D}" type="datetimeFigureOut">
               <a:rPr lang="zh-CN" altLang="en-US" smtClean="0"/>
-              <a:t>2024/1/7</a:t>
+              <a:t>2024/5/23</a:t>
             </a:fld>
             <a:endParaRPr lang="zh-CN" altLang="en-US"/>
           </a:p>
@@ -6034,6 +6040,2757 @@
 </p:sld>
 </file>
 
+<file path=ppt/slides/slide2.xml><?xml version="1.0" encoding="utf-8"?>
+<p:sld xmlns:a="http://schemas.openxmlformats.org/drawingml/2006/main" xmlns:r="http://schemas.openxmlformats.org/officeDocument/2006/relationships" xmlns:p="http://schemas.openxmlformats.org/presentationml/2006/main">
+  <p:cSld>
+    <p:spTree>
+      <p:nvGrpSpPr>
+        <p:cNvPr id="1" name=""/>
+        <p:cNvGrpSpPr/>
+        <p:nvPr/>
+      </p:nvGrpSpPr>
+      <p:grpSpPr>
+        <a:xfrm>
+          <a:off x="0" y="0"/>
+          <a:ext cx="0" cy="0"/>
+          <a:chOff x="0" y="0"/>
+          <a:chExt cx="0" cy="0"/>
+        </a:xfrm>
+      </p:grpSpPr>
+      <p:sp>
+        <p:nvSpPr>
+          <p:cNvPr id="5" name="文本框 4">
+            <a:extLst>
+              <a:ext uri="{FF2B5EF4-FFF2-40B4-BE49-F238E27FC236}">
+                <a16:creationId xmlns:a16="http://schemas.microsoft.com/office/drawing/2014/main" id="{66852D99-E95B-4676-ACFE-5BE6D61BD3C8}"/>
+              </a:ext>
+            </a:extLst>
+          </p:cNvPr>
+          <p:cNvSpPr txBox="1"/>
+          <p:nvPr/>
+        </p:nvSpPr>
+        <p:spPr>
+          <a:xfrm>
+            <a:off x="16932" y="216114"/>
+            <a:ext cx="5784428" cy="3466886"/>
+          </a:xfrm>
+          <a:prstGeom prst="rect">
+            <a:avLst/>
+          </a:prstGeom>
+          <a:noFill/>
+          <a:ln>
+            <a:solidFill>
+              <a:schemeClr val="tx1"/>
+            </a:solidFill>
+          </a:ln>
+        </p:spPr>
+        <p:txBody>
+          <a:bodyPr wrap="square">
+            <a:noAutofit/>
+          </a:bodyPr>
+          <a:lstStyle/>
+          <a:p>
+            <a:r>
+              <a:rPr lang="en-US" altLang="zh-CN" sz="1400" dirty="0">
+                <a:solidFill>
+                  <a:srgbClr val="3B3B3B"/>
+                </a:solidFill>
+                <a:latin typeface="Consolas" panose="020B0609020204030204" pitchFamily="49" charset="0"/>
+              </a:rPr>
+              <a:t>// In C</a:t>
+            </a:r>
+          </a:p>
+          <a:p>
+            <a:r>
+              <a:rPr lang="en-US" altLang="zh-CN" sz="1400" b="0" dirty="0">
+                <a:solidFill>
+                  <a:srgbClr val="0000FF"/>
+                </a:solidFill>
+                <a:effectLst/>
+                <a:latin typeface="Consolas" panose="020B0609020204030204" pitchFamily="49" charset="0"/>
+              </a:rPr>
+              <a:t>struct</a:t>
+            </a:r>
+            <a:r>
+              <a:rPr lang="en-US" altLang="zh-CN" sz="1400" b="0" dirty="0">
+                <a:solidFill>
+                  <a:srgbClr val="000000"/>
+                </a:solidFill>
+                <a:effectLst/>
+                <a:latin typeface="Consolas" panose="020B0609020204030204" pitchFamily="49" charset="0"/>
+              </a:rPr>
+              <a:t> elements {</a:t>
+            </a:r>
+          </a:p>
+          <a:p>
+            <a:r>
+              <a:rPr lang="en-US" altLang="zh-CN" sz="1400" b="0" dirty="0">
+                <a:solidFill>
+                  <a:srgbClr val="000000"/>
+                </a:solidFill>
+                <a:effectLst/>
+                <a:latin typeface="Consolas" panose="020B0609020204030204" pitchFamily="49" charset="0"/>
+              </a:rPr>
+              <a:t>    	</a:t>
+            </a:r>
+            <a:r>
+              <a:rPr lang="en-US" altLang="zh-CN" sz="1400" b="0" dirty="0">
+                <a:solidFill>
+                  <a:srgbClr val="0000FF"/>
+                </a:solidFill>
+                <a:effectLst/>
+                <a:latin typeface="Consolas" panose="020B0609020204030204" pitchFamily="49" charset="0"/>
+              </a:rPr>
+              <a:t>int</a:t>
+            </a:r>
+            <a:r>
+              <a:rPr lang="en-US" altLang="zh-CN" sz="1400" b="0" dirty="0">
+                <a:solidFill>
+                  <a:srgbClr val="000000"/>
+                </a:solidFill>
+                <a:effectLst/>
+                <a:latin typeface="Consolas" panose="020B0609020204030204" pitchFamily="49" charset="0"/>
+              </a:rPr>
+              <a:t> </a:t>
+            </a:r>
+            <a:r>
+              <a:rPr lang="en-US" altLang="zh-CN" sz="1400" b="0" dirty="0" err="1">
+                <a:solidFill>
+                  <a:srgbClr val="000000"/>
+                </a:solidFill>
+                <a:effectLst/>
+                <a:latin typeface="Consolas" panose="020B0609020204030204" pitchFamily="49" charset="0"/>
+              </a:rPr>
+              <a:t>len</a:t>
+            </a:r>
+            <a:r>
+              <a:rPr lang="en-US" altLang="zh-CN" sz="1400" b="0" dirty="0">
+                <a:solidFill>
+                  <a:srgbClr val="000000"/>
+                </a:solidFill>
+                <a:effectLst/>
+                <a:latin typeface="Consolas" panose="020B0609020204030204" pitchFamily="49" charset="0"/>
+              </a:rPr>
+              <a:t>; </a:t>
+            </a:r>
+            <a:r>
+              <a:rPr lang="en-US" altLang="zh-CN" sz="1400" b="0" dirty="0">
+                <a:solidFill>
+                  <a:srgbClr val="0000FF"/>
+                </a:solidFill>
+                <a:effectLst/>
+                <a:latin typeface="Consolas" panose="020B0609020204030204" pitchFamily="49" charset="0"/>
+              </a:rPr>
+              <a:t>void</a:t>
+            </a:r>
+            <a:r>
+              <a:rPr lang="en-US" altLang="zh-CN" sz="1400" b="0" dirty="0">
+                <a:solidFill>
+                  <a:srgbClr val="000000"/>
+                </a:solidFill>
+                <a:effectLst/>
+                <a:latin typeface="Consolas" panose="020B0609020204030204" pitchFamily="49" charset="0"/>
+              </a:rPr>
+              <a:t>* inner;</a:t>
+            </a:r>
+          </a:p>
+          <a:p>
+            <a:r>
+              <a:rPr lang="en-US" altLang="zh-CN" sz="1400" b="0" dirty="0">
+                <a:solidFill>
+                  <a:srgbClr val="000000"/>
+                </a:solidFill>
+                <a:effectLst/>
+                <a:latin typeface="Consolas" panose="020B0609020204030204" pitchFamily="49" charset="0"/>
+              </a:rPr>
+              <a:t>};</a:t>
+            </a:r>
+            <a:br>
+              <a:rPr lang="en-US" altLang="zh-CN" sz="1400" b="0" dirty="0">
+                <a:solidFill>
+                  <a:srgbClr val="000000"/>
+                </a:solidFill>
+                <a:effectLst/>
+                <a:latin typeface="Consolas" panose="020B0609020204030204" pitchFamily="49" charset="0"/>
+              </a:rPr>
+            </a:br>
+            <a:r>
+              <a:rPr lang="en-US" altLang="zh-CN" sz="1400" b="0" dirty="0">
+                <a:solidFill>
+                  <a:srgbClr val="0000FF"/>
+                </a:solidFill>
+                <a:effectLst/>
+                <a:latin typeface="Consolas" panose="020B0609020204030204" pitchFamily="49" charset="0"/>
+              </a:rPr>
+              <a:t>struct</a:t>
+            </a:r>
+            <a:r>
+              <a:rPr lang="en-US" altLang="zh-CN" sz="1400" b="0" dirty="0">
+                <a:solidFill>
+                  <a:srgbClr val="000000"/>
+                </a:solidFill>
+                <a:effectLst/>
+                <a:latin typeface="Consolas" panose="020B0609020204030204" pitchFamily="49" charset="0"/>
+              </a:rPr>
+              <a:t> factory {</a:t>
+            </a:r>
+          </a:p>
+          <a:p>
+            <a:r>
+              <a:rPr lang="en-US" altLang="zh-CN" sz="1400" b="0" dirty="0">
+                <a:solidFill>
+                  <a:srgbClr val="000000"/>
+                </a:solidFill>
+                <a:effectLst/>
+                <a:latin typeface="Consolas" panose="020B0609020204030204" pitchFamily="49" charset="0"/>
+              </a:rPr>
+              <a:t>    	</a:t>
+            </a:r>
+            <a:r>
+              <a:rPr lang="en-US" altLang="zh-CN" sz="1400" b="0" dirty="0">
+                <a:solidFill>
+                  <a:srgbClr val="0000FF"/>
+                </a:solidFill>
+                <a:effectLst/>
+                <a:latin typeface="Consolas" panose="020B0609020204030204" pitchFamily="49" charset="0"/>
+              </a:rPr>
+              <a:t>struct</a:t>
+            </a:r>
+            <a:r>
+              <a:rPr lang="en-US" altLang="zh-CN" sz="1400" b="0" dirty="0">
+                <a:solidFill>
+                  <a:srgbClr val="000000"/>
+                </a:solidFill>
+                <a:effectLst/>
+                <a:latin typeface="Consolas" panose="020B0609020204030204" pitchFamily="49" charset="0"/>
+              </a:rPr>
+              <a:t> elements </a:t>
+            </a:r>
+            <a:r>
+              <a:rPr lang="en-US" altLang="zh-CN" sz="1400" b="0" dirty="0" err="1">
+                <a:solidFill>
+                  <a:srgbClr val="000000"/>
+                </a:solidFill>
+                <a:effectLst/>
+                <a:latin typeface="Consolas" panose="020B0609020204030204" pitchFamily="49" charset="0"/>
+              </a:rPr>
+              <a:t>factory_inner</a:t>
+            </a:r>
+            <a:r>
+              <a:rPr lang="en-US" altLang="zh-CN" sz="1400" b="0" dirty="0">
+                <a:solidFill>
+                  <a:srgbClr val="000000"/>
+                </a:solidFill>
+                <a:effectLst/>
+                <a:latin typeface="Consolas" panose="020B0609020204030204" pitchFamily="49" charset="0"/>
+              </a:rPr>
+              <a:t>;</a:t>
+            </a:r>
+          </a:p>
+          <a:p>
+            <a:r>
+              <a:rPr lang="en-US" altLang="zh-CN" sz="1400" b="0" dirty="0">
+                <a:solidFill>
+                  <a:srgbClr val="000000"/>
+                </a:solidFill>
+                <a:effectLst/>
+                <a:latin typeface="Consolas" panose="020B0609020204030204" pitchFamily="49" charset="0"/>
+              </a:rPr>
+              <a:t>};</a:t>
+            </a:r>
+          </a:p>
+          <a:p>
+            <a:endParaRPr lang="en-US" altLang="zh-CN" sz="1400" dirty="0">
+              <a:solidFill>
+                <a:srgbClr val="000000"/>
+              </a:solidFill>
+              <a:latin typeface="Consolas" panose="020B0609020204030204" pitchFamily="49" charset="0"/>
+            </a:endParaRPr>
+          </a:p>
+          <a:p>
+            <a:r>
+              <a:rPr lang="en-US" altLang="zh-CN" sz="1400" b="0" dirty="0">
+                <a:solidFill>
+                  <a:srgbClr val="0000FF"/>
+                </a:solidFill>
+                <a:effectLst/>
+                <a:latin typeface="Consolas" panose="020B0609020204030204" pitchFamily="49" charset="0"/>
+              </a:rPr>
+              <a:t>struct</a:t>
+            </a:r>
+            <a:r>
+              <a:rPr lang="en-US" altLang="zh-CN" sz="1400" b="0" dirty="0">
+                <a:solidFill>
+                  <a:srgbClr val="000000"/>
+                </a:solidFill>
+                <a:effectLst/>
+                <a:latin typeface="Consolas" panose="020B0609020204030204" pitchFamily="49" charset="0"/>
+              </a:rPr>
+              <a:t> factory </a:t>
+            </a:r>
+            <a:r>
+              <a:rPr lang="en-US" altLang="zh-CN" sz="1400" b="0" dirty="0" err="1">
+                <a:solidFill>
+                  <a:srgbClr val="000000"/>
+                </a:solidFill>
+                <a:effectLst/>
+                <a:latin typeface="Consolas" panose="020B0609020204030204" pitchFamily="49" charset="0"/>
+              </a:rPr>
+              <a:t>thread_thread</a:t>
+            </a:r>
+            <a:r>
+              <a:rPr lang="en-US" altLang="zh-CN" sz="1400" b="0" dirty="0">
+                <a:solidFill>
+                  <a:srgbClr val="000000"/>
+                </a:solidFill>
+                <a:effectLst/>
+                <a:latin typeface="Consolas" panose="020B0609020204030204" pitchFamily="49" charset="0"/>
+              </a:rPr>
+              <a:t> = {</a:t>
+            </a:r>
+          </a:p>
+          <a:p>
+            <a:r>
+              <a:rPr lang="en-US" altLang="zh-CN" sz="1400" b="0" dirty="0">
+                <a:solidFill>
+                  <a:srgbClr val="000000"/>
+                </a:solidFill>
+                <a:effectLst/>
+                <a:latin typeface="Consolas" panose="020B0609020204030204" pitchFamily="49" charset="0"/>
+              </a:rPr>
+              <a:t>    	.</a:t>
+            </a:r>
+            <a:r>
+              <a:rPr lang="en-US" altLang="zh-CN" sz="1400" b="0" dirty="0" err="1">
+                <a:solidFill>
+                  <a:srgbClr val="000000"/>
+                </a:solidFill>
+                <a:effectLst/>
+                <a:latin typeface="Consolas" panose="020B0609020204030204" pitchFamily="49" charset="0"/>
+              </a:rPr>
+              <a:t>factory_inner</a:t>
+            </a:r>
+            <a:r>
+              <a:rPr lang="en-US" altLang="zh-CN" sz="1400" b="0" dirty="0">
+                <a:solidFill>
+                  <a:srgbClr val="000000"/>
+                </a:solidFill>
+                <a:effectLst/>
+                <a:latin typeface="Consolas" panose="020B0609020204030204" pitchFamily="49" charset="0"/>
+              </a:rPr>
+              <a:t> = {</a:t>
+            </a:r>
+          </a:p>
+          <a:p>
+            <a:r>
+              <a:rPr lang="en-US" altLang="zh-CN" sz="1400" b="0" dirty="0">
+                <a:solidFill>
+                  <a:srgbClr val="000000"/>
+                </a:solidFill>
+                <a:effectLst/>
+                <a:latin typeface="Consolas" panose="020B0609020204030204" pitchFamily="49" charset="0"/>
+              </a:rPr>
+              <a:t>		.</a:t>
+            </a:r>
+            <a:r>
+              <a:rPr lang="en-US" altLang="zh-CN" sz="1400" b="0" dirty="0" err="1">
+                <a:solidFill>
+                  <a:srgbClr val="000000"/>
+                </a:solidFill>
+                <a:effectLst/>
+                <a:latin typeface="Consolas" panose="020B0609020204030204" pitchFamily="49" charset="0"/>
+              </a:rPr>
+              <a:t>len</a:t>
+            </a:r>
+            <a:r>
+              <a:rPr lang="en-US" altLang="zh-CN" sz="1400" b="0" dirty="0">
+                <a:solidFill>
+                  <a:srgbClr val="000000"/>
+                </a:solidFill>
+                <a:effectLst/>
+                <a:latin typeface="Consolas" panose="020B0609020204030204" pitchFamily="49" charset="0"/>
+              </a:rPr>
+              <a:t> = </a:t>
+            </a:r>
+            <a:r>
+              <a:rPr lang="en-US" altLang="zh-CN" sz="1400" b="0" dirty="0">
+                <a:solidFill>
+                  <a:srgbClr val="098658"/>
+                </a:solidFill>
+                <a:effectLst/>
+                <a:latin typeface="Consolas" panose="020B0609020204030204" pitchFamily="49" charset="0"/>
+              </a:rPr>
+              <a:t>256</a:t>
+            </a:r>
+            <a:r>
+              <a:rPr lang="en-US" altLang="zh-CN" sz="1400" b="0" dirty="0">
+                <a:solidFill>
+                  <a:srgbClr val="000000"/>
+                </a:solidFill>
+                <a:effectLst/>
+                <a:latin typeface="Consolas" panose="020B0609020204030204" pitchFamily="49" charset="0"/>
+              </a:rPr>
+              <a:t>,    .inner = </a:t>
+            </a:r>
+            <a:r>
+              <a:rPr lang="en-US" altLang="zh-CN" sz="1400" dirty="0" err="1">
+                <a:solidFill>
+                  <a:srgbClr val="000000"/>
+                </a:solidFill>
+                <a:latin typeface="Consolas" panose="020B0609020204030204" pitchFamily="49" charset="0"/>
+              </a:rPr>
+              <a:t>thread_</a:t>
+            </a:r>
+            <a:r>
+              <a:rPr lang="en-US" altLang="zh-CN" sz="1400" b="0" dirty="0" err="1">
+                <a:solidFill>
+                  <a:srgbClr val="000000"/>
+                </a:solidFill>
+                <a:effectLst/>
+                <a:latin typeface="Consolas" panose="020B0609020204030204" pitchFamily="49" charset="0"/>
+              </a:rPr>
+              <a:t>ptr</a:t>
+            </a:r>
+            <a:r>
+              <a:rPr lang="en-US" altLang="zh-CN" sz="1400" b="0" dirty="0">
+                <a:solidFill>
+                  <a:srgbClr val="000000"/>
+                </a:solidFill>
+                <a:effectLst/>
+                <a:latin typeface="Consolas" panose="020B0609020204030204" pitchFamily="49" charset="0"/>
+              </a:rPr>
+              <a:t> }</a:t>
+            </a:r>
+          </a:p>
+          <a:p>
+            <a:r>
+              <a:rPr lang="en-US" altLang="zh-CN" sz="1400" b="0" dirty="0">
+                <a:solidFill>
+                  <a:srgbClr val="000000"/>
+                </a:solidFill>
+                <a:effectLst/>
+                <a:latin typeface="Consolas" panose="020B0609020204030204" pitchFamily="49" charset="0"/>
+              </a:rPr>
+              <a:t>};</a:t>
+            </a:r>
+          </a:p>
+          <a:p>
+            <a:r>
+              <a:rPr lang="en-US" altLang="zh-CN" sz="1400" b="0" dirty="0">
+                <a:solidFill>
+                  <a:srgbClr val="0000FF"/>
+                </a:solidFill>
+                <a:effectLst/>
+                <a:latin typeface="Consolas" panose="020B0609020204030204" pitchFamily="49" charset="0"/>
+              </a:rPr>
+              <a:t>struct</a:t>
+            </a:r>
+            <a:r>
+              <a:rPr lang="en-US" altLang="zh-CN" sz="1400" b="0" dirty="0">
+                <a:solidFill>
+                  <a:srgbClr val="000000"/>
+                </a:solidFill>
+                <a:effectLst/>
+                <a:latin typeface="Consolas" panose="020B0609020204030204" pitchFamily="49" charset="0"/>
+              </a:rPr>
+              <a:t> factory </a:t>
+            </a:r>
+            <a:r>
+              <a:rPr lang="en-US" altLang="zh-CN" sz="1400" dirty="0" err="1">
+                <a:solidFill>
+                  <a:srgbClr val="000000"/>
+                </a:solidFill>
+                <a:latin typeface="Consolas" panose="020B0609020204030204" pitchFamily="49" charset="0"/>
+              </a:rPr>
+              <a:t>proxy</a:t>
+            </a:r>
+            <a:r>
+              <a:rPr lang="en-US" altLang="zh-CN" sz="1400" b="0" dirty="0" err="1">
+                <a:solidFill>
+                  <a:srgbClr val="000000"/>
+                </a:solidFill>
+                <a:effectLst/>
+                <a:latin typeface="Consolas" panose="020B0609020204030204" pitchFamily="49" charset="0"/>
+              </a:rPr>
+              <a:t>_thread</a:t>
+            </a:r>
+            <a:r>
+              <a:rPr lang="en-US" altLang="zh-CN" sz="1400" b="0" dirty="0">
+                <a:solidFill>
+                  <a:srgbClr val="000000"/>
+                </a:solidFill>
+                <a:effectLst/>
+                <a:latin typeface="Consolas" panose="020B0609020204030204" pitchFamily="49" charset="0"/>
+              </a:rPr>
+              <a:t> = {</a:t>
+            </a:r>
+          </a:p>
+          <a:p>
+            <a:r>
+              <a:rPr lang="en-US" altLang="zh-CN" sz="1400" b="0" dirty="0">
+                <a:solidFill>
+                  <a:srgbClr val="000000"/>
+                </a:solidFill>
+                <a:effectLst/>
+                <a:latin typeface="Consolas" panose="020B0609020204030204" pitchFamily="49" charset="0"/>
+              </a:rPr>
+              <a:t>    	.</a:t>
+            </a:r>
+            <a:r>
+              <a:rPr lang="en-US" altLang="zh-CN" sz="1400" b="0" dirty="0" err="1">
+                <a:solidFill>
+                  <a:srgbClr val="000000"/>
+                </a:solidFill>
+                <a:effectLst/>
+                <a:latin typeface="Consolas" panose="020B0609020204030204" pitchFamily="49" charset="0"/>
+              </a:rPr>
+              <a:t>factory_inner</a:t>
+            </a:r>
+            <a:r>
+              <a:rPr lang="en-US" altLang="zh-CN" sz="1400" b="0" dirty="0">
+                <a:solidFill>
+                  <a:srgbClr val="000000"/>
+                </a:solidFill>
+                <a:effectLst/>
+                <a:latin typeface="Consolas" panose="020B0609020204030204" pitchFamily="49" charset="0"/>
+              </a:rPr>
+              <a:t> = {</a:t>
+            </a:r>
+          </a:p>
+          <a:p>
+            <a:r>
+              <a:rPr lang="en-US" altLang="zh-CN" sz="1400" dirty="0">
+                <a:solidFill>
+                  <a:srgbClr val="000000"/>
+                </a:solidFill>
+                <a:latin typeface="Consolas" panose="020B0609020204030204" pitchFamily="49" charset="0"/>
+              </a:rPr>
+              <a:t>		</a:t>
+            </a:r>
+            <a:r>
+              <a:rPr lang="en-US" altLang="zh-CN" sz="1400" b="0" dirty="0">
+                <a:solidFill>
+                  <a:srgbClr val="000000"/>
+                </a:solidFill>
+                <a:effectLst/>
+                <a:latin typeface="Consolas" panose="020B0609020204030204" pitchFamily="49" charset="0"/>
+              </a:rPr>
+              <a:t>.</a:t>
+            </a:r>
+            <a:r>
+              <a:rPr lang="en-US" altLang="zh-CN" sz="1400" b="0" dirty="0" err="1">
+                <a:solidFill>
+                  <a:srgbClr val="000000"/>
+                </a:solidFill>
+                <a:effectLst/>
+                <a:latin typeface="Consolas" panose="020B0609020204030204" pitchFamily="49" charset="0"/>
+              </a:rPr>
+              <a:t>len</a:t>
+            </a:r>
+            <a:r>
+              <a:rPr lang="en-US" altLang="zh-CN" sz="1400" b="0" dirty="0">
+                <a:solidFill>
+                  <a:srgbClr val="000000"/>
+                </a:solidFill>
+                <a:effectLst/>
+                <a:latin typeface="Consolas" panose="020B0609020204030204" pitchFamily="49" charset="0"/>
+              </a:rPr>
+              <a:t> = </a:t>
+            </a:r>
+            <a:r>
+              <a:rPr lang="en-US" altLang="zh-CN" sz="1400" b="0" dirty="0">
+                <a:solidFill>
+                  <a:srgbClr val="098658"/>
+                </a:solidFill>
+                <a:effectLst/>
+                <a:latin typeface="Consolas" panose="020B0609020204030204" pitchFamily="49" charset="0"/>
+              </a:rPr>
+              <a:t>256</a:t>
+            </a:r>
+            <a:r>
+              <a:rPr lang="en-US" altLang="zh-CN" sz="1400" b="0" dirty="0">
+                <a:solidFill>
+                  <a:srgbClr val="000000"/>
+                </a:solidFill>
+                <a:effectLst/>
+                <a:latin typeface="Consolas" panose="020B0609020204030204" pitchFamily="49" charset="0"/>
+              </a:rPr>
+              <a:t>,    .inner = </a:t>
+            </a:r>
+            <a:r>
+              <a:rPr lang="en-US" altLang="zh-CN" sz="1400" dirty="0" err="1">
+                <a:solidFill>
+                  <a:srgbClr val="000000"/>
+                </a:solidFill>
+                <a:latin typeface="Consolas" panose="020B0609020204030204" pitchFamily="49" charset="0"/>
+              </a:rPr>
+              <a:t>proxy_</a:t>
+            </a:r>
+            <a:r>
+              <a:rPr lang="en-US" altLang="zh-CN" sz="1400" b="0" dirty="0" err="1">
+                <a:solidFill>
+                  <a:srgbClr val="000000"/>
+                </a:solidFill>
+                <a:effectLst/>
+                <a:latin typeface="Consolas" panose="020B0609020204030204" pitchFamily="49" charset="0"/>
+              </a:rPr>
+              <a:t>ptr</a:t>
+            </a:r>
+            <a:r>
+              <a:rPr lang="en-US" altLang="zh-CN" sz="1400" b="0" dirty="0">
+                <a:solidFill>
+                  <a:srgbClr val="000000"/>
+                </a:solidFill>
+                <a:effectLst/>
+                <a:latin typeface="Consolas" panose="020B0609020204030204" pitchFamily="49" charset="0"/>
+              </a:rPr>
+              <a:t> }}</a:t>
+            </a:r>
+          </a:p>
+          <a:p>
+            <a:r>
+              <a:rPr lang="en-US" altLang="zh-CN" sz="1400" b="0" dirty="0">
+                <a:solidFill>
+                  <a:srgbClr val="000000"/>
+                </a:solidFill>
+                <a:effectLst/>
+                <a:latin typeface="Consolas" panose="020B0609020204030204" pitchFamily="49" charset="0"/>
+              </a:rPr>
+              <a:t>;</a:t>
+            </a:r>
+            <a:endParaRPr lang="en-US" altLang="zh-CN" sz="1400" dirty="0">
+              <a:solidFill>
+                <a:srgbClr val="3B3B3B"/>
+              </a:solidFill>
+              <a:latin typeface="Consolas" panose="020B0609020204030204" pitchFamily="49" charset="0"/>
+            </a:endParaRPr>
+          </a:p>
+          <a:p>
+            <a:endParaRPr lang="en-US" altLang="zh-CN" sz="1400" dirty="0">
+              <a:solidFill>
+                <a:srgbClr val="3B3B3B"/>
+              </a:solidFill>
+              <a:latin typeface="Consolas" panose="020B0609020204030204" pitchFamily="49" charset="0"/>
+            </a:endParaRPr>
+          </a:p>
+          <a:p>
+            <a:endParaRPr lang="en-US" altLang="zh-CN" sz="1400" dirty="0">
+              <a:solidFill>
+                <a:srgbClr val="3B3B3B"/>
+              </a:solidFill>
+              <a:latin typeface="Consolas" panose="020B0609020204030204" pitchFamily="49" charset="0"/>
+            </a:endParaRPr>
+          </a:p>
+          <a:p>
+            <a:br>
+              <a:rPr lang="en-US" altLang="zh-CN" sz="1400" dirty="0">
+                <a:solidFill>
+                  <a:srgbClr val="333333"/>
+                </a:solidFill>
+                <a:latin typeface="Consolas" panose="020B0609020204030204" pitchFamily="49" charset="0"/>
+              </a:rPr>
+            </a:br>
+            <a:endParaRPr lang="en-US" altLang="zh-CN" sz="1400" dirty="0">
+              <a:solidFill>
+                <a:srgbClr val="333333"/>
+              </a:solidFill>
+              <a:latin typeface="Consolas" panose="020B0609020204030204" pitchFamily="49" charset="0"/>
+            </a:endParaRPr>
+          </a:p>
+        </p:txBody>
+      </p:sp>
+      <p:sp>
+        <p:nvSpPr>
+          <p:cNvPr id="6" name="文本框 5">
+            <a:extLst>
+              <a:ext uri="{FF2B5EF4-FFF2-40B4-BE49-F238E27FC236}">
+                <a16:creationId xmlns:a16="http://schemas.microsoft.com/office/drawing/2014/main" id="{4B07F8B8-F714-4C2F-BC73-98C2CD40645F}"/>
+              </a:ext>
+            </a:extLst>
+          </p:cNvPr>
+          <p:cNvSpPr txBox="1"/>
+          <p:nvPr/>
+        </p:nvSpPr>
+        <p:spPr>
+          <a:xfrm>
+            <a:off x="5801360" y="216112"/>
+            <a:ext cx="5598160" cy="6425776"/>
+          </a:xfrm>
+          <a:prstGeom prst="rect">
+            <a:avLst/>
+          </a:prstGeom>
+          <a:noFill/>
+          <a:ln>
+            <a:solidFill>
+              <a:schemeClr val="tx1"/>
+            </a:solidFill>
+          </a:ln>
+        </p:spPr>
+        <p:txBody>
+          <a:bodyPr wrap="square">
+            <a:noAutofit/>
+          </a:bodyPr>
+          <a:lstStyle/>
+          <a:p>
+            <a:r>
+              <a:rPr lang="en-US" altLang="zh-CN" sz="1400" dirty="0">
+                <a:solidFill>
+                  <a:srgbClr val="3B3B3B"/>
+                </a:solidFill>
+                <a:latin typeface="Consolas" panose="020B0609020204030204" pitchFamily="49" charset="0"/>
+              </a:rPr>
+              <a:t>// In Rust but inflexible</a:t>
+            </a:r>
+          </a:p>
+          <a:p>
+            <a:r>
+              <a:rPr lang="en-US" altLang="zh-CN" sz="1400" b="0" dirty="0">
+                <a:solidFill>
+                  <a:srgbClr val="0000FF"/>
+                </a:solidFill>
+                <a:effectLst/>
+                <a:latin typeface="Consolas" panose="020B0609020204030204" pitchFamily="49" charset="0"/>
+              </a:rPr>
+              <a:t>pub</a:t>
+            </a:r>
+            <a:r>
+              <a:rPr lang="en-US" altLang="zh-CN" sz="1400" b="0" dirty="0">
+                <a:solidFill>
+                  <a:srgbClr val="000000"/>
+                </a:solidFill>
+                <a:effectLst/>
+                <a:latin typeface="Consolas" panose="020B0609020204030204" pitchFamily="49" charset="0"/>
+              </a:rPr>
+              <a:t> </a:t>
+            </a:r>
+            <a:r>
+              <a:rPr lang="en-US" altLang="zh-CN" sz="1400" b="0" dirty="0">
+                <a:solidFill>
+                  <a:srgbClr val="0000FF"/>
+                </a:solidFill>
+                <a:effectLst/>
+                <a:latin typeface="Consolas" panose="020B0609020204030204" pitchFamily="49" charset="0"/>
+              </a:rPr>
+              <a:t>struct</a:t>
+            </a:r>
+            <a:r>
+              <a:rPr lang="en-US" altLang="zh-CN" sz="1400" b="0" dirty="0">
+                <a:solidFill>
+                  <a:srgbClr val="000000"/>
+                </a:solidFill>
+                <a:effectLst/>
+                <a:latin typeface="Consolas" panose="020B0609020204030204" pitchFamily="49" charset="0"/>
+              </a:rPr>
+              <a:t> elements&lt;</a:t>
+            </a:r>
+            <a:r>
+              <a:rPr lang="en-US" altLang="zh-CN" sz="1400" b="0" dirty="0">
+                <a:solidFill>
+                  <a:srgbClr val="0000FF"/>
+                </a:solidFill>
+                <a:effectLst/>
+                <a:latin typeface="Consolas" panose="020B0609020204030204" pitchFamily="49" charset="0"/>
+              </a:rPr>
+              <a:t>const</a:t>
+            </a:r>
+            <a:r>
+              <a:rPr lang="en-US" altLang="zh-CN" sz="1400" b="0" dirty="0">
+                <a:solidFill>
+                  <a:srgbClr val="000000"/>
+                </a:solidFill>
+                <a:effectLst/>
+                <a:latin typeface="Consolas" panose="020B0609020204030204" pitchFamily="49" charset="0"/>
+              </a:rPr>
+              <a:t> N: </a:t>
+            </a:r>
+            <a:r>
+              <a:rPr lang="en-US" altLang="zh-CN" sz="1400" b="0" dirty="0" err="1">
+                <a:solidFill>
+                  <a:srgbClr val="000000"/>
+                </a:solidFill>
+                <a:effectLst/>
+                <a:latin typeface="Consolas" panose="020B0609020204030204" pitchFamily="49" charset="0"/>
+              </a:rPr>
+              <a:t>usize</a:t>
+            </a:r>
+            <a:r>
+              <a:rPr lang="en-US" altLang="zh-CN" sz="1400" b="0" dirty="0">
+                <a:solidFill>
+                  <a:srgbClr val="000000"/>
+                </a:solidFill>
+                <a:effectLst/>
+                <a:latin typeface="Consolas" panose="020B0609020204030204" pitchFamily="49" charset="0"/>
+              </a:rPr>
+              <a:t>&gt; {</a:t>
+            </a:r>
+          </a:p>
+          <a:p>
+            <a:r>
+              <a:rPr lang="en-US" altLang="zh-CN" sz="1400" dirty="0">
+                <a:solidFill>
+                  <a:srgbClr val="000000"/>
+                </a:solidFill>
+                <a:latin typeface="Consolas" panose="020B0609020204030204" pitchFamily="49" charset="0"/>
+              </a:rPr>
+              <a:t>	</a:t>
+            </a:r>
+            <a:r>
+              <a:rPr lang="en-US" altLang="zh-CN" sz="1400" b="0" dirty="0">
+                <a:solidFill>
+                  <a:srgbClr val="000000"/>
+                </a:solidFill>
+                <a:effectLst/>
+                <a:latin typeface="Consolas" panose="020B0609020204030204" pitchFamily="49" charset="0"/>
+              </a:rPr>
+              <a:t>inner: [i32; N],</a:t>
+            </a:r>
+          </a:p>
+          <a:p>
+            <a:r>
+              <a:rPr lang="en-US" altLang="zh-CN" sz="1400" b="0" dirty="0">
+                <a:solidFill>
+                  <a:srgbClr val="000000"/>
+                </a:solidFill>
+                <a:effectLst/>
+                <a:latin typeface="Consolas" panose="020B0609020204030204" pitchFamily="49" charset="0"/>
+              </a:rPr>
+              <a:t>}</a:t>
+            </a:r>
+            <a:br>
+              <a:rPr lang="en-US" altLang="zh-CN" sz="1400" b="0" dirty="0">
+                <a:solidFill>
+                  <a:srgbClr val="000000"/>
+                </a:solidFill>
+                <a:effectLst/>
+                <a:latin typeface="Consolas" panose="020B0609020204030204" pitchFamily="49" charset="0"/>
+              </a:rPr>
+            </a:br>
+            <a:r>
+              <a:rPr lang="en-US" altLang="zh-CN" sz="1400" b="0" dirty="0">
+                <a:solidFill>
+                  <a:srgbClr val="0000FF"/>
+                </a:solidFill>
+                <a:effectLst/>
+                <a:latin typeface="Consolas" panose="020B0609020204030204" pitchFamily="49" charset="0"/>
+              </a:rPr>
+              <a:t>trait</a:t>
+            </a:r>
+            <a:r>
+              <a:rPr lang="en-US" altLang="zh-CN" sz="1400" b="0" dirty="0">
+                <a:solidFill>
+                  <a:srgbClr val="000000"/>
+                </a:solidFill>
+                <a:effectLst/>
+                <a:latin typeface="Consolas" panose="020B0609020204030204" pitchFamily="49" charset="0"/>
+              </a:rPr>
+              <a:t> </a:t>
+            </a:r>
+            <a:r>
+              <a:rPr lang="en-US" altLang="zh-CN" sz="1400" b="0" dirty="0" err="1">
+                <a:solidFill>
+                  <a:srgbClr val="000000"/>
+                </a:solidFill>
+                <a:effectLst/>
+                <a:latin typeface="Consolas" panose="020B0609020204030204" pitchFamily="49" charset="0"/>
+              </a:rPr>
+              <a:t>dyn_num</a:t>
+            </a:r>
+            <a:r>
+              <a:rPr lang="en-US" altLang="zh-CN" sz="1400" b="0" dirty="0">
+                <a:solidFill>
+                  <a:srgbClr val="000000"/>
+                </a:solidFill>
+                <a:effectLst/>
+                <a:latin typeface="Consolas" panose="020B0609020204030204" pitchFamily="49" charset="0"/>
+              </a:rPr>
+              <a:t> { </a:t>
+            </a:r>
+            <a:r>
+              <a:rPr lang="en-US" altLang="zh-CN" sz="1400" b="0" dirty="0">
+                <a:solidFill>
+                  <a:srgbClr val="008000"/>
+                </a:solidFill>
+                <a:effectLst/>
+                <a:latin typeface="Consolas" panose="020B0609020204030204" pitchFamily="49" charset="0"/>
+              </a:rPr>
+              <a:t>// </a:t>
+            </a:r>
+            <a:r>
+              <a:rPr lang="en-US" altLang="zh-CN" sz="1400" b="0" dirty="0" err="1">
+                <a:solidFill>
+                  <a:srgbClr val="008000"/>
+                </a:solidFill>
+                <a:effectLst/>
+                <a:latin typeface="Consolas" panose="020B0609020204030204" pitchFamily="49" charset="0"/>
+              </a:rPr>
+              <a:t>fn</a:t>
+            </a:r>
+            <a:r>
+              <a:rPr lang="en-US" altLang="zh-CN" sz="1400" b="0" dirty="0">
+                <a:solidFill>
+                  <a:srgbClr val="008000"/>
+                </a:solidFill>
+                <a:effectLst/>
+                <a:latin typeface="Consolas" panose="020B0609020204030204" pitchFamily="49" charset="0"/>
+              </a:rPr>
+              <a:t> </a:t>
+            </a:r>
+            <a:r>
+              <a:rPr lang="en-US" altLang="zh-CN" sz="1400" b="0" dirty="0" err="1">
+                <a:solidFill>
+                  <a:srgbClr val="008000"/>
+                </a:solidFill>
+                <a:effectLst/>
+                <a:latin typeface="Consolas" panose="020B0609020204030204" pitchFamily="49" charset="0"/>
+              </a:rPr>
+              <a:t>use_elements</a:t>
+            </a:r>
+            <a:r>
+              <a:rPr lang="en-US" altLang="zh-CN" sz="1400" b="0" dirty="0">
+                <a:solidFill>
+                  <a:srgbClr val="008000"/>
+                </a:solidFill>
+                <a:effectLst/>
+                <a:latin typeface="Consolas" panose="020B0609020204030204" pitchFamily="49" charset="0"/>
+              </a:rPr>
+              <a:t>(&amp;self); </a:t>
+            </a:r>
+            <a:r>
+              <a:rPr lang="en-US" altLang="zh-CN" sz="1400" dirty="0">
+                <a:solidFill>
+                  <a:srgbClr val="000000"/>
+                </a:solidFill>
+                <a:latin typeface="Consolas" panose="020B0609020204030204" pitchFamily="49" charset="0"/>
+              </a:rPr>
+              <a:t>}</a:t>
+            </a:r>
+            <a:br>
+              <a:rPr lang="en-US" altLang="zh-CN" sz="1400" b="0" dirty="0">
+                <a:solidFill>
+                  <a:srgbClr val="000000"/>
+                </a:solidFill>
+                <a:effectLst/>
+                <a:latin typeface="Consolas" panose="020B0609020204030204" pitchFamily="49" charset="0"/>
+              </a:rPr>
+            </a:br>
+            <a:r>
+              <a:rPr lang="en-US" altLang="zh-CN" sz="1400" b="0" dirty="0">
+                <a:solidFill>
+                  <a:srgbClr val="0000FF"/>
+                </a:solidFill>
+                <a:effectLst/>
+                <a:latin typeface="Consolas" panose="020B0609020204030204" pitchFamily="49" charset="0"/>
+              </a:rPr>
+              <a:t>pub</a:t>
+            </a:r>
+            <a:r>
+              <a:rPr lang="en-US" altLang="zh-CN" sz="1400" b="0" dirty="0">
+                <a:solidFill>
+                  <a:srgbClr val="000000"/>
+                </a:solidFill>
+                <a:effectLst/>
+                <a:latin typeface="Consolas" panose="020B0609020204030204" pitchFamily="49" charset="0"/>
+              </a:rPr>
+              <a:t> </a:t>
+            </a:r>
+            <a:r>
+              <a:rPr lang="en-US" altLang="zh-CN" sz="1400" b="0" dirty="0">
+                <a:solidFill>
+                  <a:srgbClr val="0000FF"/>
+                </a:solidFill>
+                <a:effectLst/>
+                <a:latin typeface="Consolas" panose="020B0609020204030204" pitchFamily="49" charset="0"/>
+              </a:rPr>
+              <a:t>struct</a:t>
+            </a:r>
+            <a:r>
+              <a:rPr lang="en-US" altLang="zh-CN" sz="1400" b="0" dirty="0">
+                <a:solidFill>
+                  <a:srgbClr val="000000"/>
+                </a:solidFill>
+                <a:effectLst/>
+                <a:latin typeface="Consolas" panose="020B0609020204030204" pitchFamily="49" charset="0"/>
+              </a:rPr>
+              <a:t> factory {</a:t>
+            </a:r>
+          </a:p>
+          <a:p>
+            <a:r>
+              <a:rPr lang="en-US" altLang="zh-CN" sz="1400" b="0" dirty="0">
+                <a:solidFill>
+                  <a:srgbClr val="000000"/>
+                </a:solidFill>
+                <a:effectLst/>
+                <a:latin typeface="Consolas" panose="020B0609020204030204" pitchFamily="49" charset="0"/>
+              </a:rPr>
+              <a:t>	</a:t>
+            </a:r>
+            <a:r>
+              <a:rPr lang="en-US" altLang="zh-CN" sz="1400" b="0" dirty="0" err="1">
+                <a:solidFill>
+                  <a:srgbClr val="000000"/>
+                </a:solidFill>
+                <a:effectLst/>
+                <a:latin typeface="Consolas" panose="020B0609020204030204" pitchFamily="49" charset="0"/>
+              </a:rPr>
+              <a:t>factory_inner</a:t>
+            </a:r>
+            <a:r>
+              <a:rPr lang="en-US" altLang="zh-CN" sz="1400" b="0" dirty="0">
+                <a:solidFill>
+                  <a:srgbClr val="000000"/>
+                </a:solidFill>
+                <a:effectLst/>
+                <a:latin typeface="Consolas" panose="020B0609020204030204" pitchFamily="49" charset="0"/>
+              </a:rPr>
+              <a:t>: &amp;'static </a:t>
+            </a:r>
+            <a:r>
+              <a:rPr lang="en-US" altLang="zh-CN" sz="1400" b="0" dirty="0" err="1">
+                <a:solidFill>
+                  <a:srgbClr val="0000FF"/>
+                </a:solidFill>
+                <a:effectLst/>
+                <a:latin typeface="Consolas" panose="020B0609020204030204" pitchFamily="49" charset="0"/>
+              </a:rPr>
+              <a:t>dyn</a:t>
+            </a:r>
+            <a:r>
+              <a:rPr lang="en-US" altLang="zh-CN" sz="1400" b="0" dirty="0">
+                <a:solidFill>
+                  <a:srgbClr val="000000"/>
+                </a:solidFill>
+                <a:effectLst/>
+                <a:latin typeface="Consolas" panose="020B0609020204030204" pitchFamily="49" charset="0"/>
+              </a:rPr>
+              <a:t> </a:t>
+            </a:r>
+            <a:r>
+              <a:rPr lang="en-US" altLang="zh-CN" sz="1400" b="0" dirty="0" err="1">
+                <a:solidFill>
+                  <a:srgbClr val="000000"/>
+                </a:solidFill>
+                <a:effectLst/>
+                <a:latin typeface="Consolas" panose="020B0609020204030204" pitchFamily="49" charset="0"/>
+              </a:rPr>
+              <a:t>dyn_num</a:t>
+            </a:r>
+            <a:endParaRPr lang="en-US" altLang="zh-CN" sz="1400" b="0" dirty="0">
+              <a:solidFill>
+                <a:srgbClr val="000000"/>
+              </a:solidFill>
+              <a:effectLst/>
+              <a:latin typeface="Consolas" panose="020B0609020204030204" pitchFamily="49" charset="0"/>
+            </a:endParaRPr>
+          </a:p>
+          <a:p>
+            <a:r>
+              <a:rPr lang="en-US" altLang="zh-CN" sz="1400" b="0" dirty="0">
+                <a:solidFill>
+                  <a:srgbClr val="000000"/>
+                </a:solidFill>
+                <a:effectLst/>
+                <a:latin typeface="Consolas" panose="020B0609020204030204" pitchFamily="49" charset="0"/>
+              </a:rPr>
+              <a:t>}</a:t>
+            </a:r>
+          </a:p>
+          <a:p>
+            <a:br>
+              <a:rPr lang="en-US" altLang="zh-CN" sz="1400" b="0" dirty="0">
+                <a:solidFill>
+                  <a:srgbClr val="000000"/>
+                </a:solidFill>
+                <a:effectLst/>
+                <a:latin typeface="Consolas" panose="020B0609020204030204" pitchFamily="49" charset="0"/>
+              </a:rPr>
+            </a:br>
+            <a:r>
+              <a:rPr lang="en-US" altLang="zh-CN" sz="1400" b="0" dirty="0">
+                <a:solidFill>
+                  <a:srgbClr val="0000FF"/>
+                </a:solidFill>
+                <a:effectLst/>
+                <a:latin typeface="Consolas" panose="020B0609020204030204" pitchFamily="49" charset="0"/>
+              </a:rPr>
+              <a:t>struct</a:t>
+            </a:r>
+            <a:r>
+              <a:rPr lang="en-US" altLang="zh-CN" sz="1400" b="0" dirty="0">
+                <a:solidFill>
+                  <a:srgbClr val="000000"/>
+                </a:solidFill>
+                <a:effectLst/>
+                <a:latin typeface="Consolas" panose="020B0609020204030204" pitchFamily="49" charset="0"/>
+              </a:rPr>
+              <a:t> thread&lt;</a:t>
+            </a:r>
+            <a:r>
+              <a:rPr lang="en-US" altLang="zh-CN" sz="1400" b="0" dirty="0">
+                <a:solidFill>
+                  <a:srgbClr val="0000FF"/>
+                </a:solidFill>
+                <a:effectLst/>
+                <a:latin typeface="Consolas" panose="020B0609020204030204" pitchFamily="49" charset="0"/>
+              </a:rPr>
+              <a:t>const</a:t>
+            </a:r>
+            <a:r>
+              <a:rPr lang="en-US" altLang="zh-CN" sz="1400" b="0" dirty="0">
+                <a:solidFill>
+                  <a:srgbClr val="000000"/>
+                </a:solidFill>
+                <a:effectLst/>
+                <a:latin typeface="Consolas" panose="020B0609020204030204" pitchFamily="49" charset="0"/>
+              </a:rPr>
+              <a:t> T: </a:t>
+            </a:r>
+            <a:r>
+              <a:rPr lang="en-US" altLang="zh-CN" sz="1400" b="0" dirty="0" err="1">
+                <a:solidFill>
+                  <a:srgbClr val="000000"/>
+                </a:solidFill>
+                <a:effectLst/>
+                <a:latin typeface="Consolas" panose="020B0609020204030204" pitchFamily="49" charset="0"/>
+              </a:rPr>
+              <a:t>usize</a:t>
+            </a:r>
+            <a:r>
+              <a:rPr lang="en-US" altLang="zh-CN" sz="1400" b="0" dirty="0">
+                <a:solidFill>
+                  <a:srgbClr val="000000"/>
+                </a:solidFill>
+                <a:effectLst/>
+                <a:latin typeface="Consolas" panose="020B0609020204030204" pitchFamily="49" charset="0"/>
+              </a:rPr>
+              <a:t>&gt;{</a:t>
+            </a:r>
+          </a:p>
+          <a:p>
+            <a:r>
+              <a:rPr lang="en-US" altLang="zh-CN" sz="1400" dirty="0">
+                <a:solidFill>
+                  <a:srgbClr val="000000"/>
+                </a:solidFill>
+                <a:latin typeface="Consolas" panose="020B0609020204030204" pitchFamily="49" charset="0"/>
+              </a:rPr>
+              <a:t>	</a:t>
+            </a:r>
+            <a:r>
+              <a:rPr lang="en-US" altLang="zh-CN" sz="1400" b="0" dirty="0" err="1">
+                <a:solidFill>
+                  <a:srgbClr val="000000"/>
+                </a:solidFill>
+                <a:effectLst/>
+                <a:latin typeface="Consolas" panose="020B0609020204030204" pitchFamily="49" charset="0"/>
+              </a:rPr>
+              <a:t>thread_elements</a:t>
+            </a:r>
+            <a:r>
+              <a:rPr lang="en-US" altLang="zh-CN" sz="1400" b="0" dirty="0">
+                <a:solidFill>
+                  <a:srgbClr val="000000"/>
+                </a:solidFill>
+                <a:effectLst/>
+                <a:latin typeface="Consolas" panose="020B0609020204030204" pitchFamily="49" charset="0"/>
+              </a:rPr>
+              <a:t>: elements&lt;T&gt;,</a:t>
+            </a:r>
+          </a:p>
+          <a:p>
+            <a:r>
+              <a:rPr lang="en-US" altLang="zh-CN" sz="1400" b="0" dirty="0">
+                <a:solidFill>
+                  <a:srgbClr val="000000"/>
+                </a:solidFill>
+                <a:effectLst/>
+                <a:latin typeface="Consolas" panose="020B0609020204030204" pitchFamily="49" charset="0"/>
+              </a:rPr>
+              <a:t>}</a:t>
+            </a:r>
+            <a:br>
+              <a:rPr lang="en-US" altLang="zh-CN" sz="1400" b="0" dirty="0">
+                <a:solidFill>
+                  <a:srgbClr val="000000"/>
+                </a:solidFill>
+                <a:effectLst/>
+                <a:latin typeface="Consolas" panose="020B0609020204030204" pitchFamily="49" charset="0"/>
+              </a:rPr>
+            </a:br>
+            <a:r>
+              <a:rPr lang="en-US" altLang="zh-CN" sz="1400" b="0" dirty="0" err="1">
+                <a:solidFill>
+                  <a:srgbClr val="0000FF"/>
+                </a:solidFill>
+                <a:effectLst/>
+                <a:latin typeface="Consolas" panose="020B0609020204030204" pitchFamily="49" charset="0"/>
+              </a:rPr>
+              <a:t>impl</a:t>
+            </a:r>
+            <a:r>
+              <a:rPr lang="en-US" altLang="zh-CN" sz="1400" b="0" dirty="0">
+                <a:solidFill>
+                  <a:srgbClr val="000000"/>
+                </a:solidFill>
+                <a:effectLst/>
+                <a:latin typeface="Consolas" panose="020B0609020204030204" pitchFamily="49" charset="0"/>
+              </a:rPr>
+              <a:t> </a:t>
+            </a:r>
+            <a:r>
+              <a:rPr lang="en-US" altLang="zh-CN" sz="1400" b="0" dirty="0" err="1">
+                <a:solidFill>
+                  <a:srgbClr val="000000"/>
+                </a:solidFill>
+                <a:effectLst/>
+                <a:latin typeface="Consolas" panose="020B0609020204030204" pitchFamily="49" charset="0"/>
+              </a:rPr>
+              <a:t>dyn_num</a:t>
+            </a:r>
+            <a:r>
+              <a:rPr lang="en-US" altLang="zh-CN" sz="1400" b="0" dirty="0">
+                <a:solidFill>
+                  <a:srgbClr val="000000"/>
+                </a:solidFill>
+                <a:effectLst/>
+                <a:latin typeface="Consolas" panose="020B0609020204030204" pitchFamily="49" charset="0"/>
+              </a:rPr>
+              <a:t> </a:t>
+            </a:r>
+            <a:r>
+              <a:rPr lang="en-US" altLang="zh-CN" sz="1400" b="0" dirty="0">
+                <a:solidFill>
+                  <a:srgbClr val="0000FF"/>
+                </a:solidFill>
+                <a:effectLst/>
+                <a:latin typeface="Consolas" panose="020B0609020204030204" pitchFamily="49" charset="0"/>
+              </a:rPr>
+              <a:t>for</a:t>
+            </a:r>
+            <a:r>
+              <a:rPr lang="en-US" altLang="zh-CN" sz="1400" b="0" dirty="0">
+                <a:solidFill>
+                  <a:srgbClr val="000000"/>
+                </a:solidFill>
+                <a:effectLst/>
+                <a:latin typeface="Consolas" panose="020B0609020204030204" pitchFamily="49" charset="0"/>
+              </a:rPr>
+              <a:t> thread&lt;</a:t>
+            </a:r>
+            <a:r>
+              <a:rPr lang="en-US" altLang="zh-CN" sz="1400" b="0" dirty="0">
+                <a:solidFill>
+                  <a:srgbClr val="098658"/>
+                </a:solidFill>
+                <a:effectLst/>
+                <a:latin typeface="Consolas" panose="020B0609020204030204" pitchFamily="49" charset="0"/>
+              </a:rPr>
+              <a:t>256</a:t>
+            </a:r>
+            <a:r>
+              <a:rPr lang="en-US" altLang="zh-CN" sz="1400" b="0" dirty="0">
+                <a:solidFill>
+                  <a:srgbClr val="000000"/>
+                </a:solidFill>
+                <a:effectLst/>
+                <a:latin typeface="Consolas" panose="020B0609020204030204" pitchFamily="49" charset="0"/>
+              </a:rPr>
+              <a:t>&gt; {}</a:t>
+            </a:r>
+          </a:p>
+          <a:p>
+            <a:br>
+              <a:rPr lang="en-US" altLang="zh-CN" sz="1400" b="0" dirty="0">
+                <a:solidFill>
+                  <a:srgbClr val="000000"/>
+                </a:solidFill>
+                <a:effectLst/>
+                <a:latin typeface="Consolas" panose="020B0609020204030204" pitchFamily="49" charset="0"/>
+              </a:rPr>
+            </a:br>
+            <a:r>
+              <a:rPr lang="en-US" altLang="zh-CN" sz="1400" b="0" dirty="0">
+                <a:solidFill>
+                  <a:srgbClr val="0000FF"/>
+                </a:solidFill>
+                <a:effectLst/>
+                <a:latin typeface="Consolas" panose="020B0609020204030204" pitchFamily="49" charset="0"/>
+              </a:rPr>
+              <a:t>struct</a:t>
+            </a:r>
+            <a:r>
+              <a:rPr lang="en-US" altLang="zh-CN" sz="1400" b="0" dirty="0">
+                <a:solidFill>
+                  <a:srgbClr val="000000"/>
+                </a:solidFill>
+                <a:effectLst/>
+                <a:latin typeface="Consolas" panose="020B0609020204030204" pitchFamily="49" charset="0"/>
+              </a:rPr>
+              <a:t> proxy&lt;</a:t>
+            </a:r>
+            <a:r>
+              <a:rPr lang="en-US" altLang="zh-CN" sz="1400" b="0" dirty="0">
+                <a:solidFill>
+                  <a:srgbClr val="0000FF"/>
+                </a:solidFill>
+                <a:effectLst/>
+                <a:latin typeface="Consolas" panose="020B0609020204030204" pitchFamily="49" charset="0"/>
+              </a:rPr>
+              <a:t>const</a:t>
+            </a:r>
+            <a:r>
+              <a:rPr lang="en-US" altLang="zh-CN" sz="1400" b="0" dirty="0">
+                <a:solidFill>
+                  <a:srgbClr val="000000"/>
+                </a:solidFill>
+                <a:effectLst/>
+                <a:latin typeface="Consolas" panose="020B0609020204030204" pitchFamily="49" charset="0"/>
+              </a:rPr>
+              <a:t> T: </a:t>
+            </a:r>
+            <a:r>
+              <a:rPr lang="en-US" altLang="zh-CN" sz="1400" b="0" dirty="0" err="1">
+                <a:solidFill>
+                  <a:srgbClr val="000000"/>
+                </a:solidFill>
+                <a:effectLst/>
+                <a:latin typeface="Consolas" panose="020B0609020204030204" pitchFamily="49" charset="0"/>
+              </a:rPr>
+              <a:t>usize</a:t>
+            </a:r>
+            <a:r>
+              <a:rPr lang="en-US" altLang="zh-CN" sz="1400" b="0" dirty="0">
+                <a:solidFill>
+                  <a:srgbClr val="000000"/>
+                </a:solidFill>
+                <a:effectLst/>
+                <a:latin typeface="Consolas" panose="020B0609020204030204" pitchFamily="49" charset="0"/>
+              </a:rPr>
+              <a:t>&gt;{</a:t>
+            </a:r>
+          </a:p>
+          <a:p>
+            <a:r>
+              <a:rPr lang="en-US" altLang="zh-CN" sz="1400" b="0" dirty="0">
+                <a:solidFill>
+                  <a:srgbClr val="000000"/>
+                </a:solidFill>
+                <a:effectLst/>
+                <a:latin typeface="Consolas" panose="020B0609020204030204" pitchFamily="49" charset="0"/>
+              </a:rPr>
+              <a:t>	</a:t>
+            </a:r>
+            <a:r>
+              <a:rPr lang="en-US" altLang="zh-CN" sz="1400" b="0" dirty="0" err="1">
+                <a:solidFill>
+                  <a:srgbClr val="000000"/>
+                </a:solidFill>
+                <a:effectLst/>
+                <a:latin typeface="Consolas" panose="020B0609020204030204" pitchFamily="49" charset="0"/>
+              </a:rPr>
+              <a:t>proxy_elements</a:t>
+            </a:r>
+            <a:r>
+              <a:rPr lang="en-US" altLang="zh-CN" sz="1400" b="0" dirty="0">
+                <a:solidFill>
+                  <a:srgbClr val="000000"/>
+                </a:solidFill>
+                <a:effectLst/>
+                <a:latin typeface="Consolas" panose="020B0609020204030204" pitchFamily="49" charset="0"/>
+              </a:rPr>
+              <a:t>: elements&lt;T&gt;,</a:t>
+            </a:r>
+          </a:p>
+          <a:p>
+            <a:r>
+              <a:rPr lang="en-US" altLang="zh-CN" sz="1400" b="0" dirty="0">
+                <a:solidFill>
+                  <a:srgbClr val="000000"/>
+                </a:solidFill>
+                <a:effectLst/>
+                <a:latin typeface="Consolas" panose="020B0609020204030204" pitchFamily="49" charset="0"/>
+              </a:rPr>
+              <a:t>}</a:t>
+            </a:r>
+            <a:br>
+              <a:rPr lang="en-US" altLang="zh-CN" sz="1400" b="0" dirty="0">
+                <a:solidFill>
+                  <a:srgbClr val="000000"/>
+                </a:solidFill>
+                <a:effectLst/>
+                <a:latin typeface="Consolas" panose="020B0609020204030204" pitchFamily="49" charset="0"/>
+              </a:rPr>
+            </a:br>
+            <a:r>
+              <a:rPr lang="en-US" altLang="zh-CN" sz="1400" b="0" dirty="0" err="1">
+                <a:solidFill>
+                  <a:srgbClr val="0000FF"/>
+                </a:solidFill>
+                <a:effectLst/>
+                <a:latin typeface="Consolas" panose="020B0609020204030204" pitchFamily="49" charset="0"/>
+              </a:rPr>
+              <a:t>impl</a:t>
+            </a:r>
+            <a:r>
+              <a:rPr lang="en-US" altLang="zh-CN" sz="1400" b="0" dirty="0">
+                <a:solidFill>
+                  <a:srgbClr val="000000"/>
+                </a:solidFill>
+                <a:effectLst/>
+                <a:latin typeface="Consolas" panose="020B0609020204030204" pitchFamily="49" charset="0"/>
+              </a:rPr>
+              <a:t> </a:t>
+            </a:r>
+            <a:r>
+              <a:rPr lang="en-US" altLang="zh-CN" sz="1400" b="0" dirty="0" err="1">
+                <a:solidFill>
+                  <a:srgbClr val="000000"/>
+                </a:solidFill>
+                <a:effectLst/>
+                <a:latin typeface="Consolas" panose="020B0609020204030204" pitchFamily="49" charset="0"/>
+              </a:rPr>
+              <a:t>dyn_num</a:t>
+            </a:r>
+            <a:r>
+              <a:rPr lang="en-US" altLang="zh-CN" sz="1400" b="0" dirty="0">
+                <a:solidFill>
+                  <a:srgbClr val="000000"/>
+                </a:solidFill>
+                <a:effectLst/>
+                <a:latin typeface="Consolas" panose="020B0609020204030204" pitchFamily="49" charset="0"/>
+              </a:rPr>
+              <a:t> </a:t>
+            </a:r>
+            <a:r>
+              <a:rPr lang="en-US" altLang="zh-CN" sz="1400" b="0" dirty="0">
+                <a:solidFill>
+                  <a:srgbClr val="0000FF"/>
+                </a:solidFill>
+                <a:effectLst/>
+                <a:latin typeface="Consolas" panose="020B0609020204030204" pitchFamily="49" charset="0"/>
+              </a:rPr>
+              <a:t>for</a:t>
+            </a:r>
+            <a:r>
+              <a:rPr lang="en-US" altLang="zh-CN" sz="1400" b="0" dirty="0">
+                <a:solidFill>
+                  <a:srgbClr val="000000"/>
+                </a:solidFill>
+                <a:effectLst/>
+                <a:latin typeface="Consolas" panose="020B0609020204030204" pitchFamily="49" charset="0"/>
+              </a:rPr>
+              <a:t> proxy&lt;</a:t>
+            </a:r>
+            <a:r>
+              <a:rPr lang="en-US" altLang="zh-CN" sz="1400" b="0" dirty="0">
+                <a:solidFill>
+                  <a:srgbClr val="098658"/>
+                </a:solidFill>
+                <a:effectLst/>
+                <a:latin typeface="Consolas" panose="020B0609020204030204" pitchFamily="49" charset="0"/>
+              </a:rPr>
+              <a:t>8</a:t>
+            </a:r>
+            <a:r>
+              <a:rPr lang="en-US" altLang="zh-CN" sz="1400" b="0" dirty="0">
+                <a:solidFill>
+                  <a:srgbClr val="000000"/>
+                </a:solidFill>
+                <a:effectLst/>
+                <a:latin typeface="Consolas" panose="020B0609020204030204" pitchFamily="49" charset="0"/>
+              </a:rPr>
+              <a:t>&gt; {}</a:t>
+            </a:r>
+          </a:p>
+          <a:p>
+            <a:br>
+              <a:rPr lang="en-US" altLang="zh-CN" sz="1400" b="0" dirty="0">
+                <a:solidFill>
+                  <a:srgbClr val="000000"/>
+                </a:solidFill>
+                <a:effectLst/>
+                <a:latin typeface="Consolas" panose="020B0609020204030204" pitchFamily="49" charset="0"/>
+              </a:rPr>
+            </a:br>
+            <a:r>
+              <a:rPr lang="en-US" altLang="zh-CN" sz="1400" b="0" dirty="0">
+                <a:solidFill>
+                  <a:srgbClr val="0000FF"/>
+                </a:solidFill>
+                <a:effectLst/>
+                <a:latin typeface="Consolas" panose="020B0609020204030204" pitchFamily="49" charset="0"/>
+              </a:rPr>
+              <a:t>static</a:t>
+            </a:r>
+            <a:r>
+              <a:rPr lang="en-US" altLang="zh-CN" sz="1400" b="0" dirty="0">
+                <a:solidFill>
+                  <a:srgbClr val="000000"/>
+                </a:solidFill>
+                <a:effectLst/>
+                <a:latin typeface="Consolas" panose="020B0609020204030204" pitchFamily="49" charset="0"/>
+              </a:rPr>
+              <a:t> </a:t>
+            </a:r>
+            <a:r>
+              <a:rPr lang="en-US" altLang="zh-CN" sz="1400" b="0" dirty="0" err="1">
+                <a:solidFill>
+                  <a:srgbClr val="000000"/>
+                </a:solidFill>
+                <a:effectLst/>
+                <a:latin typeface="Consolas" panose="020B0609020204030204" pitchFamily="49" charset="0"/>
+              </a:rPr>
+              <a:t>thread_factory_inner</a:t>
+            </a:r>
+            <a:r>
+              <a:rPr lang="en-US" altLang="zh-CN" sz="1400" b="0" dirty="0">
+                <a:solidFill>
+                  <a:srgbClr val="000000"/>
+                </a:solidFill>
+                <a:effectLst/>
+                <a:latin typeface="Consolas" panose="020B0609020204030204" pitchFamily="49" charset="0"/>
+              </a:rPr>
+              <a:t>: thread&lt;</a:t>
+            </a:r>
+            <a:r>
+              <a:rPr lang="en-US" altLang="zh-CN" sz="1400" b="0" dirty="0">
+                <a:solidFill>
+                  <a:srgbClr val="098658"/>
+                </a:solidFill>
+                <a:effectLst/>
+                <a:latin typeface="Consolas" panose="020B0609020204030204" pitchFamily="49" charset="0"/>
+              </a:rPr>
+              <a:t>256</a:t>
+            </a:r>
+            <a:r>
+              <a:rPr lang="en-US" altLang="zh-CN" sz="1400" b="0" dirty="0">
+                <a:solidFill>
+                  <a:srgbClr val="000000"/>
+                </a:solidFill>
+                <a:effectLst/>
+                <a:latin typeface="Consolas" panose="020B0609020204030204" pitchFamily="49" charset="0"/>
+              </a:rPr>
+              <a:t>&gt; = thread {</a:t>
+            </a:r>
+          </a:p>
+          <a:p>
+            <a:r>
+              <a:rPr lang="en-US" altLang="zh-CN" sz="1400" b="0" dirty="0">
+                <a:solidFill>
+                  <a:srgbClr val="000000"/>
+                </a:solidFill>
+                <a:effectLst/>
+                <a:latin typeface="Consolas" panose="020B0609020204030204" pitchFamily="49" charset="0"/>
+              </a:rPr>
+              <a:t>	</a:t>
+            </a:r>
+            <a:r>
+              <a:rPr lang="en-US" altLang="zh-CN" sz="1400" b="0" dirty="0" err="1">
+                <a:solidFill>
+                  <a:srgbClr val="000000"/>
+                </a:solidFill>
+                <a:effectLst/>
+                <a:latin typeface="Consolas" panose="020B0609020204030204" pitchFamily="49" charset="0"/>
+              </a:rPr>
+              <a:t>thread_elements</a:t>
+            </a:r>
+            <a:r>
+              <a:rPr lang="en-US" altLang="zh-CN" sz="1400" b="0" dirty="0">
+                <a:solidFill>
+                  <a:srgbClr val="000000"/>
+                </a:solidFill>
+                <a:effectLst/>
+                <a:latin typeface="Consolas" panose="020B0609020204030204" pitchFamily="49" charset="0"/>
+              </a:rPr>
+              <a:t>: elements { inner: [</a:t>
+            </a:r>
+            <a:r>
+              <a:rPr lang="en-US" altLang="zh-CN" sz="1400" b="0" dirty="0">
+                <a:solidFill>
+                  <a:srgbClr val="098658"/>
+                </a:solidFill>
+                <a:effectLst/>
+                <a:latin typeface="Consolas" panose="020B0609020204030204" pitchFamily="49" charset="0"/>
+              </a:rPr>
+              <a:t>0</a:t>
+            </a:r>
+            <a:r>
+              <a:rPr lang="en-US" altLang="zh-CN" sz="1400" b="0" dirty="0">
+                <a:solidFill>
+                  <a:srgbClr val="000000"/>
+                </a:solidFill>
+                <a:effectLst/>
+                <a:latin typeface="Consolas" panose="020B0609020204030204" pitchFamily="49" charset="0"/>
+              </a:rPr>
+              <a:t>; </a:t>
+            </a:r>
+            <a:r>
+              <a:rPr lang="en-US" altLang="zh-CN" sz="1400" b="0" dirty="0">
+                <a:solidFill>
+                  <a:srgbClr val="098658"/>
+                </a:solidFill>
+                <a:effectLst/>
+                <a:latin typeface="Consolas" panose="020B0609020204030204" pitchFamily="49" charset="0"/>
+              </a:rPr>
+              <a:t>256</a:t>
+            </a:r>
+            <a:r>
+              <a:rPr lang="en-US" altLang="zh-CN" sz="1400" b="0" dirty="0">
+                <a:solidFill>
+                  <a:srgbClr val="000000"/>
+                </a:solidFill>
+                <a:effectLst/>
+                <a:latin typeface="Consolas" panose="020B0609020204030204" pitchFamily="49" charset="0"/>
+              </a:rPr>
+              <a:t>] },</a:t>
+            </a:r>
+          </a:p>
+          <a:p>
+            <a:r>
+              <a:rPr lang="en-US" altLang="zh-CN" sz="1400" b="0" dirty="0">
+                <a:solidFill>
+                  <a:srgbClr val="000000"/>
+                </a:solidFill>
+                <a:effectLst/>
+                <a:latin typeface="Consolas" panose="020B0609020204030204" pitchFamily="49" charset="0"/>
+              </a:rPr>
+              <a:t>};</a:t>
+            </a:r>
+            <a:br>
+              <a:rPr lang="en-US" altLang="zh-CN" sz="1400" b="0" dirty="0">
+                <a:solidFill>
+                  <a:srgbClr val="000000"/>
+                </a:solidFill>
+                <a:effectLst/>
+                <a:latin typeface="Consolas" panose="020B0609020204030204" pitchFamily="49" charset="0"/>
+              </a:rPr>
+            </a:br>
+            <a:r>
+              <a:rPr lang="en-US" altLang="zh-CN" sz="1400" b="0" dirty="0">
+                <a:solidFill>
+                  <a:srgbClr val="0000FF"/>
+                </a:solidFill>
+                <a:effectLst/>
+                <a:latin typeface="Consolas" panose="020B0609020204030204" pitchFamily="49" charset="0"/>
+              </a:rPr>
+              <a:t>static</a:t>
+            </a:r>
+            <a:r>
+              <a:rPr lang="en-US" altLang="zh-CN" sz="1400" b="0" dirty="0">
+                <a:solidFill>
+                  <a:srgbClr val="000000"/>
+                </a:solidFill>
+                <a:effectLst/>
+                <a:latin typeface="Consolas" panose="020B0609020204030204" pitchFamily="49" charset="0"/>
+              </a:rPr>
+              <a:t> </a:t>
+            </a:r>
+            <a:r>
+              <a:rPr lang="en-US" altLang="zh-CN" sz="1400" b="0" dirty="0" err="1">
+                <a:solidFill>
+                  <a:srgbClr val="000000"/>
+                </a:solidFill>
+                <a:effectLst/>
+                <a:latin typeface="Consolas" panose="020B0609020204030204" pitchFamily="49" charset="0"/>
+              </a:rPr>
+              <a:t>proxy_factory_inner</a:t>
+            </a:r>
+            <a:r>
+              <a:rPr lang="en-US" altLang="zh-CN" sz="1400" b="0" dirty="0">
+                <a:solidFill>
+                  <a:srgbClr val="000000"/>
+                </a:solidFill>
+                <a:effectLst/>
+                <a:latin typeface="Consolas" panose="020B0609020204030204" pitchFamily="49" charset="0"/>
+              </a:rPr>
+              <a:t>: proxy&lt;</a:t>
+            </a:r>
+            <a:r>
+              <a:rPr lang="en-US" altLang="zh-CN" sz="1400" b="0" dirty="0">
+                <a:solidFill>
+                  <a:srgbClr val="098658"/>
+                </a:solidFill>
+                <a:effectLst/>
+                <a:latin typeface="Consolas" panose="020B0609020204030204" pitchFamily="49" charset="0"/>
+              </a:rPr>
+              <a:t>8</a:t>
+            </a:r>
+            <a:r>
+              <a:rPr lang="en-US" altLang="zh-CN" sz="1400" b="0" dirty="0">
+                <a:solidFill>
+                  <a:srgbClr val="000000"/>
+                </a:solidFill>
+                <a:effectLst/>
+                <a:latin typeface="Consolas" panose="020B0609020204030204" pitchFamily="49" charset="0"/>
+              </a:rPr>
+              <a:t>&gt; = proxy {</a:t>
+            </a:r>
+          </a:p>
+          <a:p>
+            <a:r>
+              <a:rPr lang="en-US" altLang="zh-CN" sz="1400" b="0" dirty="0">
+                <a:solidFill>
+                  <a:srgbClr val="000000"/>
+                </a:solidFill>
+                <a:effectLst/>
+                <a:latin typeface="Consolas" panose="020B0609020204030204" pitchFamily="49" charset="0"/>
+              </a:rPr>
+              <a:t>	</a:t>
+            </a:r>
+            <a:r>
+              <a:rPr lang="en-US" altLang="zh-CN" sz="1400" b="0" dirty="0" err="1">
+                <a:solidFill>
+                  <a:srgbClr val="000000"/>
+                </a:solidFill>
+                <a:effectLst/>
+                <a:latin typeface="Consolas" panose="020B0609020204030204" pitchFamily="49" charset="0"/>
+              </a:rPr>
+              <a:t>proxy_elements</a:t>
+            </a:r>
+            <a:r>
+              <a:rPr lang="en-US" altLang="zh-CN" sz="1400" b="0" dirty="0">
+                <a:solidFill>
+                  <a:srgbClr val="000000"/>
+                </a:solidFill>
+                <a:effectLst/>
+                <a:latin typeface="Consolas" panose="020B0609020204030204" pitchFamily="49" charset="0"/>
+              </a:rPr>
+              <a:t>:  elements { inner: [</a:t>
+            </a:r>
+            <a:r>
+              <a:rPr lang="en-US" altLang="zh-CN" sz="1400" b="0" dirty="0">
+                <a:solidFill>
+                  <a:srgbClr val="098658"/>
+                </a:solidFill>
+                <a:effectLst/>
+                <a:latin typeface="Consolas" panose="020B0609020204030204" pitchFamily="49" charset="0"/>
+              </a:rPr>
+              <a:t>1</a:t>
+            </a:r>
+            <a:r>
+              <a:rPr lang="en-US" altLang="zh-CN" sz="1400" b="0" dirty="0">
+                <a:solidFill>
+                  <a:srgbClr val="000000"/>
+                </a:solidFill>
+                <a:effectLst/>
+                <a:latin typeface="Consolas" panose="020B0609020204030204" pitchFamily="49" charset="0"/>
+              </a:rPr>
+              <a:t>; </a:t>
+            </a:r>
+            <a:r>
+              <a:rPr lang="en-US" altLang="zh-CN" sz="1400" b="0" dirty="0">
+                <a:solidFill>
+                  <a:srgbClr val="098658"/>
+                </a:solidFill>
+                <a:effectLst/>
+                <a:latin typeface="Consolas" panose="020B0609020204030204" pitchFamily="49" charset="0"/>
+              </a:rPr>
+              <a:t>8</a:t>
+            </a:r>
+            <a:r>
+              <a:rPr lang="en-US" altLang="zh-CN" sz="1400" b="0" dirty="0">
+                <a:solidFill>
+                  <a:srgbClr val="000000"/>
+                </a:solidFill>
+                <a:effectLst/>
+                <a:latin typeface="Consolas" panose="020B0609020204030204" pitchFamily="49" charset="0"/>
+              </a:rPr>
+              <a:t>] },</a:t>
+            </a:r>
+          </a:p>
+          <a:p>
+            <a:r>
+              <a:rPr lang="en-US" altLang="zh-CN" sz="1400" b="0" dirty="0">
+                <a:solidFill>
+                  <a:srgbClr val="000000"/>
+                </a:solidFill>
+                <a:effectLst/>
+                <a:latin typeface="Consolas" panose="020B0609020204030204" pitchFamily="49" charset="0"/>
+              </a:rPr>
+              <a:t>};</a:t>
+            </a:r>
+            <a:endParaRPr lang="en-US" altLang="zh-CN" sz="1400" dirty="0">
+              <a:solidFill>
+                <a:srgbClr val="000000"/>
+              </a:solidFill>
+              <a:latin typeface="Consolas" panose="020B0609020204030204" pitchFamily="49" charset="0"/>
+            </a:endParaRPr>
+          </a:p>
+          <a:p>
+            <a:r>
+              <a:rPr lang="en-US" altLang="zh-CN" sz="1400" b="0" dirty="0">
+                <a:solidFill>
+                  <a:srgbClr val="0000FF"/>
+                </a:solidFill>
+                <a:effectLst/>
+                <a:latin typeface="Consolas" panose="020B0609020204030204" pitchFamily="49" charset="0"/>
+              </a:rPr>
+              <a:t>let</a:t>
+            </a:r>
+            <a:r>
+              <a:rPr lang="en-US" altLang="zh-CN" sz="1400" b="0" dirty="0">
+                <a:solidFill>
+                  <a:srgbClr val="000000"/>
+                </a:solidFill>
+                <a:effectLst/>
+                <a:latin typeface="Consolas" panose="020B0609020204030204" pitchFamily="49" charset="0"/>
+              </a:rPr>
+              <a:t> </a:t>
+            </a:r>
+            <a:r>
+              <a:rPr lang="en-US" altLang="zh-CN" sz="1400" b="0" dirty="0" err="1">
+                <a:solidFill>
+                  <a:srgbClr val="000000"/>
+                </a:solidFill>
+                <a:effectLst/>
+                <a:latin typeface="Consolas" panose="020B0609020204030204" pitchFamily="49" charset="0"/>
+              </a:rPr>
+              <a:t>thread_factory</a:t>
+            </a:r>
+            <a:r>
+              <a:rPr lang="en-US" altLang="zh-CN" sz="1400" b="0" dirty="0">
+                <a:solidFill>
+                  <a:srgbClr val="000000"/>
+                </a:solidFill>
+                <a:effectLst/>
+                <a:latin typeface="Consolas" panose="020B0609020204030204" pitchFamily="49" charset="0"/>
+              </a:rPr>
+              <a:t> = factory { </a:t>
+            </a:r>
+            <a:r>
+              <a:rPr lang="en-US" altLang="zh-CN" sz="1400" b="0" dirty="0" err="1">
+                <a:solidFill>
+                  <a:srgbClr val="000000"/>
+                </a:solidFill>
+                <a:effectLst/>
+                <a:latin typeface="Consolas" panose="020B0609020204030204" pitchFamily="49" charset="0"/>
+              </a:rPr>
+              <a:t>factory_inner</a:t>
+            </a:r>
+            <a:r>
+              <a:rPr lang="en-US" altLang="zh-CN" sz="1400" b="0" dirty="0">
+                <a:solidFill>
+                  <a:srgbClr val="000000"/>
+                </a:solidFill>
+                <a:effectLst/>
+                <a:latin typeface="Consolas" panose="020B0609020204030204" pitchFamily="49" charset="0"/>
+              </a:rPr>
+              <a:t>:</a:t>
+            </a:r>
+          </a:p>
+          <a:p>
+            <a:r>
+              <a:rPr lang="en-US" altLang="zh-CN" sz="1400" b="0" dirty="0">
+                <a:solidFill>
+                  <a:srgbClr val="000000"/>
+                </a:solidFill>
+                <a:effectLst/>
+                <a:latin typeface="Consolas" panose="020B0609020204030204" pitchFamily="49" charset="0"/>
+              </a:rPr>
+              <a:t>	&amp;</a:t>
+            </a:r>
+            <a:r>
+              <a:rPr lang="en-US" altLang="zh-CN" sz="1400" b="0" dirty="0" err="1">
+                <a:solidFill>
+                  <a:srgbClr val="000000"/>
+                </a:solidFill>
+                <a:effectLst/>
+                <a:latin typeface="Consolas" panose="020B0609020204030204" pitchFamily="49" charset="0"/>
+              </a:rPr>
+              <a:t>thread_factory_inner</a:t>
+            </a:r>
+            <a:r>
+              <a:rPr lang="en-US" altLang="zh-CN" sz="1400" b="0" dirty="0">
+                <a:solidFill>
+                  <a:srgbClr val="000000"/>
+                </a:solidFill>
+                <a:effectLst/>
+                <a:latin typeface="Consolas" panose="020B0609020204030204" pitchFamily="49" charset="0"/>
+              </a:rPr>
+              <a:t> };</a:t>
+            </a:r>
+            <a:br>
+              <a:rPr lang="en-US" altLang="zh-CN" sz="1400" b="0" dirty="0">
+                <a:solidFill>
+                  <a:srgbClr val="000000"/>
+                </a:solidFill>
+                <a:effectLst/>
+                <a:latin typeface="Consolas" panose="020B0609020204030204" pitchFamily="49" charset="0"/>
+              </a:rPr>
+            </a:br>
+            <a:r>
+              <a:rPr lang="en-US" altLang="zh-CN" sz="1400" b="0" dirty="0">
+                <a:solidFill>
+                  <a:srgbClr val="0000FF"/>
+                </a:solidFill>
+                <a:effectLst/>
+                <a:latin typeface="Consolas" panose="020B0609020204030204" pitchFamily="49" charset="0"/>
+              </a:rPr>
+              <a:t>let</a:t>
+            </a:r>
+            <a:r>
+              <a:rPr lang="en-US" altLang="zh-CN" sz="1400" b="0" dirty="0">
+                <a:solidFill>
+                  <a:srgbClr val="000000"/>
+                </a:solidFill>
+                <a:effectLst/>
+                <a:latin typeface="Consolas" panose="020B0609020204030204" pitchFamily="49" charset="0"/>
+              </a:rPr>
+              <a:t> </a:t>
+            </a:r>
+            <a:r>
+              <a:rPr lang="en-US" altLang="zh-CN" sz="1400" b="0" dirty="0" err="1">
+                <a:solidFill>
+                  <a:srgbClr val="000000"/>
+                </a:solidFill>
+                <a:effectLst/>
+                <a:latin typeface="Consolas" panose="020B0609020204030204" pitchFamily="49" charset="0"/>
+              </a:rPr>
+              <a:t>proxy_factory</a:t>
+            </a:r>
+            <a:r>
+              <a:rPr lang="en-US" altLang="zh-CN" sz="1400" b="0" dirty="0">
+                <a:solidFill>
+                  <a:srgbClr val="000000"/>
+                </a:solidFill>
+                <a:effectLst/>
+                <a:latin typeface="Consolas" panose="020B0609020204030204" pitchFamily="49" charset="0"/>
+              </a:rPr>
+              <a:t>  = factory {</a:t>
+            </a:r>
+            <a:r>
+              <a:rPr lang="en-US" altLang="zh-CN" sz="1400" b="0" dirty="0" err="1">
+                <a:solidFill>
+                  <a:srgbClr val="000000"/>
+                </a:solidFill>
+                <a:effectLst/>
+                <a:latin typeface="Consolas" panose="020B0609020204030204" pitchFamily="49" charset="0"/>
+              </a:rPr>
+              <a:t>factory_inner</a:t>
+            </a:r>
+            <a:r>
+              <a:rPr lang="en-US" altLang="zh-CN" sz="1400" b="0" dirty="0">
+                <a:solidFill>
+                  <a:srgbClr val="000000"/>
+                </a:solidFill>
+                <a:effectLst/>
+                <a:latin typeface="Consolas" panose="020B0609020204030204" pitchFamily="49" charset="0"/>
+              </a:rPr>
+              <a:t>:</a:t>
+            </a:r>
+          </a:p>
+          <a:p>
+            <a:r>
+              <a:rPr lang="en-US" altLang="zh-CN" sz="1400" b="0" dirty="0">
+                <a:solidFill>
+                  <a:srgbClr val="000000"/>
+                </a:solidFill>
+                <a:effectLst/>
+                <a:latin typeface="Consolas" panose="020B0609020204030204" pitchFamily="49" charset="0"/>
+              </a:rPr>
+              <a:t>	&amp;</a:t>
+            </a:r>
+            <a:r>
+              <a:rPr lang="en-US" altLang="zh-CN" sz="1400" b="0" dirty="0" err="1">
+                <a:solidFill>
+                  <a:srgbClr val="000000"/>
+                </a:solidFill>
+                <a:effectLst/>
+                <a:latin typeface="Consolas" panose="020B0609020204030204" pitchFamily="49" charset="0"/>
+              </a:rPr>
+              <a:t>proxy_factory_inner</a:t>
+            </a:r>
+            <a:r>
+              <a:rPr lang="en-US" altLang="zh-CN" sz="1400" b="0" dirty="0">
+                <a:solidFill>
+                  <a:srgbClr val="000000"/>
+                </a:solidFill>
+                <a:effectLst/>
+                <a:latin typeface="Consolas" panose="020B0609020204030204" pitchFamily="49" charset="0"/>
+              </a:rPr>
+              <a:t> };</a:t>
+            </a:r>
+          </a:p>
+          <a:p>
+            <a:endParaRPr lang="en-US" altLang="zh-CN" sz="1400" b="0" dirty="0">
+              <a:solidFill>
+                <a:srgbClr val="000000"/>
+              </a:solidFill>
+              <a:effectLst/>
+              <a:latin typeface="Consolas" panose="020B0609020204030204" pitchFamily="49" charset="0"/>
+            </a:endParaRPr>
+          </a:p>
+          <a:p>
+            <a:endParaRPr lang="en-US" altLang="zh-CN" sz="1400" dirty="0">
+              <a:solidFill>
+                <a:srgbClr val="333333"/>
+              </a:solidFill>
+              <a:latin typeface="Consolas" panose="020B0609020204030204" pitchFamily="49" charset="0"/>
+            </a:endParaRPr>
+          </a:p>
+        </p:txBody>
+      </p:sp>
+      <p:sp>
+        <p:nvSpPr>
+          <p:cNvPr id="7" name="文本框 6">
+            <a:extLst>
+              <a:ext uri="{FF2B5EF4-FFF2-40B4-BE49-F238E27FC236}">
+                <a16:creationId xmlns:a16="http://schemas.microsoft.com/office/drawing/2014/main" id="{6BD7D03E-707C-4AD6-8BB6-79DE8FABD39C}"/>
+              </a:ext>
+            </a:extLst>
+          </p:cNvPr>
+          <p:cNvSpPr txBox="1"/>
+          <p:nvPr/>
+        </p:nvSpPr>
+        <p:spPr>
+          <a:xfrm>
+            <a:off x="2717954" y="6591994"/>
+            <a:ext cx="382385" cy="338554"/>
+          </a:xfrm>
+          <a:prstGeom prst="rect">
+            <a:avLst/>
+          </a:prstGeom>
+          <a:noFill/>
+        </p:spPr>
+        <p:txBody>
+          <a:bodyPr wrap="square" rtlCol="0">
+            <a:spAutoFit/>
+          </a:bodyPr>
+          <a:lstStyle/>
+          <a:p>
+            <a:r>
+              <a:rPr lang="en-US" altLang="zh-CN" sz="1600" dirty="0"/>
+              <a:t>(a)</a:t>
+            </a:r>
+            <a:endParaRPr lang="zh-CN" altLang="en-US" sz="1600" dirty="0"/>
+          </a:p>
+        </p:txBody>
+      </p:sp>
+      <p:sp>
+        <p:nvSpPr>
+          <p:cNvPr id="8" name="文本框 7">
+            <a:extLst>
+              <a:ext uri="{FF2B5EF4-FFF2-40B4-BE49-F238E27FC236}">
+                <a16:creationId xmlns:a16="http://schemas.microsoft.com/office/drawing/2014/main" id="{4E6A4B24-BF82-4755-BF59-486022FAC33D}"/>
+              </a:ext>
+            </a:extLst>
+          </p:cNvPr>
+          <p:cNvSpPr txBox="1"/>
+          <p:nvPr/>
+        </p:nvSpPr>
+        <p:spPr>
+          <a:xfrm>
+            <a:off x="8409247" y="6591994"/>
+            <a:ext cx="382385" cy="338554"/>
+          </a:xfrm>
+          <a:prstGeom prst="rect">
+            <a:avLst/>
+          </a:prstGeom>
+          <a:noFill/>
+        </p:spPr>
+        <p:txBody>
+          <a:bodyPr wrap="square" rtlCol="0">
+            <a:spAutoFit/>
+          </a:bodyPr>
+          <a:lstStyle/>
+          <a:p>
+            <a:r>
+              <a:rPr lang="en-US" altLang="zh-CN" sz="1600" dirty="0"/>
+              <a:t>(b)</a:t>
+            </a:r>
+            <a:endParaRPr lang="zh-CN" altLang="en-US" sz="1600" dirty="0"/>
+          </a:p>
+        </p:txBody>
+      </p:sp>
+      <p:sp>
+        <p:nvSpPr>
+          <p:cNvPr id="12" name="文本框 11">
+            <a:extLst>
+              <a:ext uri="{FF2B5EF4-FFF2-40B4-BE49-F238E27FC236}">
+                <a16:creationId xmlns:a16="http://schemas.microsoft.com/office/drawing/2014/main" id="{CF53A07B-0820-457D-9AEE-6B632858710A}"/>
+              </a:ext>
+            </a:extLst>
+          </p:cNvPr>
+          <p:cNvSpPr txBox="1"/>
+          <p:nvPr/>
+        </p:nvSpPr>
+        <p:spPr>
+          <a:xfrm>
+            <a:off x="-1571338" y="4032464"/>
+            <a:ext cx="5784428" cy="2762036"/>
+          </a:xfrm>
+          <a:prstGeom prst="rect">
+            <a:avLst/>
+          </a:prstGeom>
+          <a:noFill/>
+          <a:ln>
+            <a:solidFill>
+              <a:schemeClr val="tx1"/>
+            </a:solidFill>
+          </a:ln>
+        </p:spPr>
+        <p:txBody>
+          <a:bodyPr wrap="square">
+            <a:noAutofit/>
+          </a:bodyPr>
+          <a:lstStyle/>
+          <a:p>
+            <a:r>
+              <a:rPr lang="en-US" altLang="zh-CN" sz="1400" dirty="0">
+                <a:solidFill>
+                  <a:srgbClr val="3B3B3B"/>
+                </a:solidFill>
+                <a:latin typeface="Consolas" panose="020B0609020204030204" pitchFamily="49" charset="0"/>
+              </a:rPr>
+              <a:t>// In Rust</a:t>
+            </a:r>
+          </a:p>
+          <a:p>
+            <a:r>
+              <a:rPr lang="en-US" altLang="zh-CN" sz="1400" b="0" dirty="0">
+                <a:solidFill>
+                  <a:srgbClr val="0000FF"/>
+                </a:solidFill>
+                <a:effectLst/>
+                <a:latin typeface="Consolas" panose="020B0609020204030204" pitchFamily="49" charset="0"/>
+              </a:rPr>
+              <a:t>pub</a:t>
+            </a:r>
+            <a:r>
+              <a:rPr lang="en-US" altLang="zh-CN" sz="1400" b="0" dirty="0">
+                <a:solidFill>
+                  <a:srgbClr val="000000"/>
+                </a:solidFill>
+                <a:effectLst/>
+                <a:latin typeface="Consolas" panose="020B0609020204030204" pitchFamily="49" charset="0"/>
+              </a:rPr>
+              <a:t> </a:t>
+            </a:r>
+            <a:r>
+              <a:rPr lang="en-US" altLang="zh-CN" sz="1400" b="0" dirty="0">
+                <a:solidFill>
+                  <a:srgbClr val="0000FF"/>
+                </a:solidFill>
+                <a:effectLst/>
+                <a:latin typeface="Consolas" panose="020B0609020204030204" pitchFamily="49" charset="0"/>
+              </a:rPr>
+              <a:t>struct</a:t>
+            </a:r>
+            <a:r>
+              <a:rPr lang="en-US" altLang="zh-CN" sz="1400" b="0" dirty="0">
+                <a:solidFill>
+                  <a:srgbClr val="000000"/>
+                </a:solidFill>
+                <a:effectLst/>
+                <a:latin typeface="Consolas" panose="020B0609020204030204" pitchFamily="49" charset="0"/>
+              </a:rPr>
+              <a:t> elements&lt;</a:t>
+            </a:r>
+            <a:r>
+              <a:rPr lang="en-US" altLang="zh-CN" sz="1400" b="0" dirty="0">
+                <a:solidFill>
+                  <a:srgbClr val="0000FF"/>
+                </a:solidFill>
+                <a:effectLst/>
+                <a:latin typeface="Consolas" panose="020B0609020204030204" pitchFamily="49" charset="0"/>
+              </a:rPr>
+              <a:t>const</a:t>
+            </a:r>
+            <a:r>
+              <a:rPr lang="en-US" altLang="zh-CN" sz="1400" b="0" dirty="0">
+                <a:solidFill>
+                  <a:srgbClr val="000000"/>
+                </a:solidFill>
+                <a:effectLst/>
+                <a:latin typeface="Consolas" panose="020B0609020204030204" pitchFamily="49" charset="0"/>
+              </a:rPr>
+              <a:t> N: </a:t>
+            </a:r>
+            <a:r>
+              <a:rPr lang="en-US" altLang="zh-CN" sz="1400" b="0" dirty="0" err="1">
+                <a:solidFill>
+                  <a:srgbClr val="000000"/>
+                </a:solidFill>
+                <a:effectLst/>
+                <a:latin typeface="Consolas" panose="020B0609020204030204" pitchFamily="49" charset="0"/>
+              </a:rPr>
+              <a:t>usize</a:t>
+            </a:r>
+            <a:r>
+              <a:rPr lang="en-US" altLang="zh-CN" sz="1400" b="0" dirty="0">
+                <a:solidFill>
+                  <a:srgbClr val="000000"/>
+                </a:solidFill>
+                <a:effectLst/>
+                <a:latin typeface="Consolas" panose="020B0609020204030204" pitchFamily="49" charset="0"/>
+              </a:rPr>
+              <a:t>&gt; { </a:t>
+            </a:r>
+          </a:p>
+          <a:p>
+            <a:r>
+              <a:rPr lang="en-US" altLang="zh-CN" sz="1400" dirty="0">
+                <a:solidFill>
+                  <a:srgbClr val="000000"/>
+                </a:solidFill>
+                <a:latin typeface="Consolas" panose="020B0609020204030204" pitchFamily="49" charset="0"/>
+              </a:rPr>
+              <a:t>    	</a:t>
+            </a:r>
+            <a:r>
+              <a:rPr lang="en-US" altLang="zh-CN" sz="1400" b="0" dirty="0">
+                <a:solidFill>
+                  <a:srgbClr val="000000"/>
+                </a:solidFill>
+                <a:effectLst/>
+                <a:latin typeface="Consolas" panose="020B0609020204030204" pitchFamily="49" charset="0"/>
+              </a:rPr>
+              <a:t>inner: [i32; N], </a:t>
+            </a:r>
+          </a:p>
+          <a:p>
+            <a:r>
+              <a:rPr lang="en-US" altLang="zh-CN" sz="1400" b="0" dirty="0">
+                <a:solidFill>
+                  <a:srgbClr val="000000"/>
+                </a:solidFill>
+                <a:effectLst/>
+                <a:latin typeface="Consolas" panose="020B0609020204030204" pitchFamily="49" charset="0"/>
+              </a:rPr>
+              <a:t>}</a:t>
+            </a:r>
+            <a:br>
+              <a:rPr lang="en-US" altLang="zh-CN" sz="1400" b="0" dirty="0">
+                <a:solidFill>
+                  <a:srgbClr val="000000"/>
+                </a:solidFill>
+                <a:effectLst/>
+                <a:latin typeface="Consolas" panose="020B0609020204030204" pitchFamily="49" charset="0"/>
+              </a:rPr>
+            </a:br>
+            <a:r>
+              <a:rPr lang="en-US" altLang="zh-CN" sz="1400" b="0" dirty="0">
+                <a:solidFill>
+                  <a:srgbClr val="0000FF"/>
+                </a:solidFill>
+                <a:effectLst/>
+                <a:latin typeface="Consolas" panose="020B0609020204030204" pitchFamily="49" charset="0"/>
+              </a:rPr>
+              <a:t>pub</a:t>
+            </a:r>
+            <a:r>
+              <a:rPr lang="en-US" altLang="zh-CN" sz="1400" b="0" dirty="0">
+                <a:solidFill>
+                  <a:srgbClr val="000000"/>
+                </a:solidFill>
+                <a:effectLst/>
+                <a:latin typeface="Consolas" panose="020B0609020204030204" pitchFamily="49" charset="0"/>
+              </a:rPr>
+              <a:t> </a:t>
+            </a:r>
+            <a:r>
+              <a:rPr lang="en-US" altLang="zh-CN" sz="1400" b="0" dirty="0">
+                <a:solidFill>
+                  <a:srgbClr val="0000FF"/>
+                </a:solidFill>
+                <a:effectLst/>
+                <a:latin typeface="Consolas" panose="020B0609020204030204" pitchFamily="49" charset="0"/>
+              </a:rPr>
+              <a:t>struct</a:t>
+            </a:r>
+            <a:r>
+              <a:rPr lang="en-US" altLang="zh-CN" sz="1400" b="0" dirty="0">
+                <a:solidFill>
+                  <a:srgbClr val="000000"/>
+                </a:solidFill>
+                <a:effectLst/>
+                <a:latin typeface="Consolas" panose="020B0609020204030204" pitchFamily="49" charset="0"/>
+              </a:rPr>
+              <a:t> factory { </a:t>
+            </a:r>
+          </a:p>
+          <a:p>
+            <a:r>
+              <a:rPr lang="en-US" altLang="zh-CN" sz="1400" dirty="0">
+                <a:solidFill>
+                  <a:srgbClr val="000000"/>
+                </a:solidFill>
+                <a:latin typeface="Consolas" panose="020B0609020204030204" pitchFamily="49" charset="0"/>
+              </a:rPr>
+              <a:t>    	</a:t>
+            </a:r>
+            <a:r>
+              <a:rPr lang="en-US" altLang="zh-CN" sz="1400" b="0" dirty="0" err="1">
+                <a:solidFill>
+                  <a:srgbClr val="000000"/>
+                </a:solidFill>
+                <a:effectLst/>
+                <a:latin typeface="Consolas" panose="020B0609020204030204" pitchFamily="49" charset="0"/>
+              </a:rPr>
+              <a:t>factory_inner</a:t>
+            </a:r>
+            <a:r>
+              <a:rPr lang="en-US" altLang="zh-CN" sz="1400" b="0" dirty="0">
+                <a:solidFill>
+                  <a:srgbClr val="000000"/>
+                </a:solidFill>
+                <a:effectLst/>
+                <a:latin typeface="Consolas" panose="020B0609020204030204" pitchFamily="49" charset="0"/>
+              </a:rPr>
+              <a:t>: elements&lt;</a:t>
+            </a:r>
+            <a:r>
+              <a:rPr lang="en-US" altLang="zh-CN" sz="1400" dirty="0">
+                <a:solidFill>
+                  <a:srgbClr val="098658"/>
+                </a:solidFill>
+                <a:latin typeface="Consolas" panose="020B0609020204030204" pitchFamily="49" charset="0"/>
+              </a:rPr>
+              <a:t>8</a:t>
+            </a:r>
+            <a:r>
+              <a:rPr lang="en-US" altLang="zh-CN" sz="1400" b="0" dirty="0">
+                <a:solidFill>
+                  <a:srgbClr val="000000"/>
+                </a:solidFill>
+                <a:effectLst/>
+                <a:latin typeface="Consolas" panose="020B0609020204030204" pitchFamily="49" charset="0"/>
+              </a:rPr>
+              <a:t>/</a:t>
+            </a:r>
+            <a:r>
+              <a:rPr lang="en-US" altLang="zh-CN" sz="1400" b="0" dirty="0">
+                <a:solidFill>
+                  <a:srgbClr val="098658"/>
+                </a:solidFill>
+                <a:effectLst/>
+                <a:latin typeface="Consolas" panose="020B0609020204030204" pitchFamily="49" charset="0"/>
+              </a:rPr>
+              <a:t>256</a:t>
+            </a:r>
+            <a:r>
+              <a:rPr lang="en-US" altLang="zh-CN" sz="1400" b="0" dirty="0">
+                <a:solidFill>
+                  <a:srgbClr val="000000"/>
+                </a:solidFill>
+                <a:effectLst/>
+                <a:latin typeface="Consolas" panose="020B0609020204030204" pitchFamily="49" charset="0"/>
+              </a:rPr>
+              <a:t>&gt;, </a:t>
+            </a:r>
+          </a:p>
+          <a:p>
+            <a:r>
+              <a:rPr lang="en-US" altLang="zh-CN" sz="1400" b="0" dirty="0">
+                <a:solidFill>
+                  <a:srgbClr val="000000"/>
+                </a:solidFill>
+                <a:effectLst/>
+                <a:latin typeface="Consolas" panose="020B0609020204030204" pitchFamily="49" charset="0"/>
+              </a:rPr>
+              <a:t>}</a:t>
+            </a:r>
+          </a:p>
+          <a:p>
+            <a:endParaRPr lang="en-US" altLang="zh-CN" sz="1400" dirty="0">
+              <a:solidFill>
+                <a:srgbClr val="3B3B3B"/>
+              </a:solidFill>
+              <a:latin typeface="Consolas" panose="020B0609020204030204" pitchFamily="49" charset="0"/>
+            </a:endParaRPr>
+          </a:p>
+          <a:p>
+            <a:r>
+              <a:rPr lang="en-US" altLang="zh-CN" sz="1400" b="0" dirty="0">
+                <a:solidFill>
+                  <a:srgbClr val="0000FF"/>
+                </a:solidFill>
+                <a:effectLst/>
+                <a:latin typeface="Consolas" panose="020B0609020204030204" pitchFamily="49" charset="0"/>
+              </a:rPr>
+              <a:t>let</a:t>
+            </a:r>
+            <a:r>
+              <a:rPr lang="en-US" altLang="zh-CN" sz="1400" b="0" dirty="0">
+                <a:solidFill>
+                  <a:srgbClr val="000000"/>
+                </a:solidFill>
+                <a:effectLst/>
+                <a:latin typeface="Consolas" panose="020B0609020204030204" pitchFamily="49" charset="0"/>
+              </a:rPr>
+              <a:t> </a:t>
+            </a:r>
+            <a:r>
+              <a:rPr lang="en-US" altLang="zh-CN" sz="1400" b="0" dirty="0" err="1">
+                <a:solidFill>
+                  <a:srgbClr val="000000"/>
+                </a:solidFill>
+                <a:effectLst/>
+                <a:latin typeface="Consolas" panose="020B0609020204030204" pitchFamily="49" charset="0"/>
+              </a:rPr>
+              <a:t>thread_factory</a:t>
+            </a:r>
+            <a:r>
+              <a:rPr lang="en-US" altLang="zh-CN" sz="1400" b="0" dirty="0">
+                <a:solidFill>
+                  <a:srgbClr val="000000"/>
+                </a:solidFill>
+                <a:effectLst/>
+                <a:latin typeface="Consolas" panose="020B0609020204030204" pitchFamily="49" charset="0"/>
+              </a:rPr>
+              <a:t> = factory { </a:t>
+            </a:r>
+            <a:r>
+              <a:rPr lang="en-US" altLang="zh-CN" sz="1400" b="0" dirty="0" err="1">
+                <a:solidFill>
+                  <a:srgbClr val="000000"/>
+                </a:solidFill>
+                <a:effectLst/>
+                <a:latin typeface="Consolas" panose="020B0609020204030204" pitchFamily="49" charset="0"/>
+              </a:rPr>
+              <a:t>factory_inner</a:t>
+            </a:r>
+            <a:r>
+              <a:rPr lang="en-US" altLang="zh-CN" sz="1400" b="0" dirty="0">
+                <a:solidFill>
+                  <a:srgbClr val="000000"/>
+                </a:solidFill>
+                <a:effectLst/>
+                <a:latin typeface="Consolas" panose="020B0609020204030204" pitchFamily="49" charset="0"/>
+              </a:rPr>
+              <a:t>:</a:t>
+            </a:r>
+          </a:p>
+          <a:p>
+            <a:r>
+              <a:rPr lang="en-US" altLang="zh-CN" sz="1400" dirty="0">
+                <a:solidFill>
+                  <a:srgbClr val="000000"/>
+                </a:solidFill>
+                <a:latin typeface="Consolas" panose="020B0609020204030204" pitchFamily="49" charset="0"/>
+              </a:rPr>
+              <a:t>	</a:t>
+            </a:r>
+            <a:r>
+              <a:rPr lang="en-US" altLang="zh-CN" sz="1400" b="0" dirty="0">
+                <a:solidFill>
+                  <a:srgbClr val="000000"/>
+                </a:solidFill>
+                <a:effectLst/>
+                <a:latin typeface="Consolas" panose="020B0609020204030204" pitchFamily="49" charset="0"/>
+              </a:rPr>
+              <a:t>elements::&lt;</a:t>
+            </a:r>
+            <a:r>
+              <a:rPr lang="en-US" altLang="zh-CN" sz="1400" dirty="0">
+                <a:solidFill>
+                  <a:srgbClr val="098658"/>
+                </a:solidFill>
+                <a:latin typeface="Consolas" panose="020B0609020204030204" pitchFamily="49" charset="0"/>
+              </a:rPr>
+              <a:t> 8</a:t>
+            </a:r>
+            <a:r>
+              <a:rPr lang="en-US" altLang="zh-CN" sz="1400" b="0" dirty="0">
+                <a:solidFill>
+                  <a:srgbClr val="000000"/>
+                </a:solidFill>
+                <a:effectLst/>
+                <a:latin typeface="Consolas" panose="020B0609020204030204" pitchFamily="49" charset="0"/>
+              </a:rPr>
+              <a:t>/</a:t>
+            </a:r>
+            <a:r>
+              <a:rPr lang="en-US" altLang="zh-CN" sz="1400" b="0" dirty="0">
+                <a:solidFill>
+                  <a:srgbClr val="098658"/>
+                </a:solidFill>
+                <a:effectLst/>
+                <a:latin typeface="Consolas" panose="020B0609020204030204" pitchFamily="49" charset="0"/>
+              </a:rPr>
+              <a:t>256 </a:t>
+            </a:r>
+            <a:r>
+              <a:rPr lang="en-US" altLang="zh-CN" sz="1400" b="0" dirty="0">
+                <a:solidFill>
+                  <a:srgbClr val="000000"/>
+                </a:solidFill>
+                <a:effectLst/>
+                <a:latin typeface="Consolas" panose="020B0609020204030204" pitchFamily="49" charset="0"/>
+              </a:rPr>
+              <a:t>&gt; { inner: [</a:t>
+            </a:r>
+            <a:r>
+              <a:rPr lang="en-US" altLang="zh-CN" sz="1400" b="0" dirty="0">
+                <a:solidFill>
+                  <a:srgbClr val="098658"/>
+                </a:solidFill>
+                <a:effectLst/>
+                <a:latin typeface="Consolas" panose="020B0609020204030204" pitchFamily="49" charset="0"/>
+              </a:rPr>
+              <a:t>0</a:t>
+            </a:r>
+            <a:r>
+              <a:rPr lang="en-US" altLang="zh-CN" sz="1400" b="0" dirty="0">
+                <a:solidFill>
+                  <a:srgbClr val="000000"/>
+                </a:solidFill>
+                <a:effectLst/>
+                <a:latin typeface="Consolas" panose="020B0609020204030204" pitchFamily="49" charset="0"/>
+              </a:rPr>
+              <a:t>; </a:t>
+            </a:r>
+            <a:r>
+              <a:rPr lang="en-US" altLang="zh-CN" sz="1400" dirty="0">
+                <a:solidFill>
+                  <a:srgbClr val="098658"/>
+                </a:solidFill>
+                <a:latin typeface="Consolas" panose="020B0609020204030204" pitchFamily="49" charset="0"/>
+              </a:rPr>
+              <a:t>8</a:t>
+            </a:r>
+            <a:r>
+              <a:rPr lang="en-US" altLang="zh-CN" sz="1400" b="0" dirty="0">
+                <a:solidFill>
+                  <a:srgbClr val="000000"/>
+                </a:solidFill>
+                <a:effectLst/>
+                <a:latin typeface="Consolas" panose="020B0609020204030204" pitchFamily="49" charset="0"/>
+              </a:rPr>
+              <a:t>/</a:t>
+            </a:r>
+            <a:r>
+              <a:rPr lang="en-US" altLang="zh-CN" sz="1400" b="0" dirty="0">
+                <a:solidFill>
+                  <a:srgbClr val="098658"/>
+                </a:solidFill>
+                <a:effectLst/>
+                <a:latin typeface="Consolas" panose="020B0609020204030204" pitchFamily="49" charset="0"/>
+              </a:rPr>
+              <a:t>256</a:t>
+            </a:r>
+            <a:r>
+              <a:rPr lang="en-US" altLang="zh-CN" sz="1400" b="0" dirty="0">
+                <a:solidFill>
+                  <a:srgbClr val="000000"/>
+                </a:solidFill>
+                <a:effectLst/>
+                <a:latin typeface="Consolas" panose="020B0609020204030204" pitchFamily="49" charset="0"/>
+              </a:rPr>
+              <a:t>] } };</a:t>
+            </a:r>
+            <a:br>
+              <a:rPr lang="en-US" altLang="zh-CN" sz="1400" b="0" dirty="0">
+                <a:solidFill>
+                  <a:srgbClr val="000000"/>
+                </a:solidFill>
+                <a:effectLst/>
+                <a:latin typeface="Consolas" panose="020B0609020204030204" pitchFamily="49" charset="0"/>
+              </a:rPr>
+            </a:br>
+            <a:r>
+              <a:rPr lang="en-US" altLang="zh-CN" sz="1400" b="0" dirty="0">
+                <a:solidFill>
+                  <a:srgbClr val="0000FF"/>
+                </a:solidFill>
+                <a:effectLst/>
+                <a:latin typeface="Consolas" panose="020B0609020204030204" pitchFamily="49" charset="0"/>
+              </a:rPr>
+              <a:t>let</a:t>
+            </a:r>
+            <a:r>
+              <a:rPr lang="en-US" altLang="zh-CN" sz="1400" b="0" dirty="0">
+                <a:solidFill>
+                  <a:srgbClr val="000000"/>
+                </a:solidFill>
+                <a:effectLst/>
+                <a:latin typeface="Consolas" panose="020B0609020204030204" pitchFamily="49" charset="0"/>
+              </a:rPr>
+              <a:t> </a:t>
+            </a:r>
+            <a:r>
+              <a:rPr lang="en-US" altLang="zh-CN" sz="1400" b="0" dirty="0" err="1">
+                <a:solidFill>
+                  <a:srgbClr val="000000"/>
+                </a:solidFill>
+                <a:effectLst/>
+                <a:latin typeface="Consolas" panose="020B0609020204030204" pitchFamily="49" charset="0"/>
+              </a:rPr>
+              <a:t>proxy_factory</a:t>
+            </a:r>
+            <a:r>
+              <a:rPr lang="en-US" altLang="zh-CN" sz="1400" b="0" dirty="0">
+                <a:solidFill>
+                  <a:srgbClr val="000000"/>
+                </a:solidFill>
+                <a:effectLst/>
+                <a:latin typeface="Consolas" panose="020B0609020204030204" pitchFamily="49" charset="0"/>
+              </a:rPr>
+              <a:t>  = factory { </a:t>
+            </a:r>
+            <a:r>
+              <a:rPr lang="en-US" altLang="zh-CN" sz="1400" b="0" dirty="0" err="1">
+                <a:solidFill>
+                  <a:srgbClr val="000000"/>
+                </a:solidFill>
+                <a:effectLst/>
+                <a:latin typeface="Consolas" panose="020B0609020204030204" pitchFamily="49" charset="0"/>
+              </a:rPr>
+              <a:t>factory_inner</a:t>
+            </a:r>
+            <a:r>
+              <a:rPr lang="en-US" altLang="zh-CN" sz="1400" b="0" dirty="0">
+                <a:solidFill>
+                  <a:srgbClr val="000000"/>
+                </a:solidFill>
+                <a:effectLst/>
+                <a:latin typeface="Consolas" panose="020B0609020204030204" pitchFamily="49" charset="0"/>
+              </a:rPr>
+              <a:t>:</a:t>
+            </a:r>
+          </a:p>
+          <a:p>
+            <a:r>
+              <a:rPr lang="en-US" altLang="zh-CN" sz="1400" dirty="0">
+                <a:solidFill>
+                  <a:srgbClr val="000000"/>
+                </a:solidFill>
+                <a:latin typeface="Consolas" panose="020B0609020204030204" pitchFamily="49" charset="0"/>
+              </a:rPr>
+              <a:t>    	</a:t>
+            </a:r>
+            <a:r>
+              <a:rPr lang="en-US" altLang="zh-CN" sz="1400" b="0" dirty="0">
+                <a:solidFill>
+                  <a:srgbClr val="000000"/>
+                </a:solidFill>
+                <a:effectLst/>
+                <a:latin typeface="Consolas" panose="020B0609020204030204" pitchFamily="49" charset="0"/>
+              </a:rPr>
+              <a:t>elements::&lt;</a:t>
+            </a:r>
+            <a:r>
+              <a:rPr lang="en-US" altLang="zh-CN" sz="1400" dirty="0">
+                <a:solidFill>
+                  <a:srgbClr val="098658"/>
+                </a:solidFill>
+                <a:latin typeface="Consolas" panose="020B0609020204030204" pitchFamily="49" charset="0"/>
+              </a:rPr>
+              <a:t> 8</a:t>
+            </a:r>
+            <a:r>
+              <a:rPr lang="en-US" altLang="zh-CN" sz="1400" b="0" dirty="0">
+                <a:solidFill>
+                  <a:srgbClr val="000000"/>
+                </a:solidFill>
+                <a:effectLst/>
+                <a:latin typeface="Consolas" panose="020B0609020204030204" pitchFamily="49" charset="0"/>
+              </a:rPr>
+              <a:t>/</a:t>
+            </a:r>
+            <a:r>
+              <a:rPr lang="en-US" altLang="zh-CN" sz="1400" b="0" dirty="0">
+                <a:solidFill>
+                  <a:srgbClr val="098658"/>
+                </a:solidFill>
+                <a:effectLst/>
+                <a:latin typeface="Consolas" panose="020B0609020204030204" pitchFamily="49" charset="0"/>
+              </a:rPr>
+              <a:t>256 </a:t>
+            </a:r>
+            <a:r>
+              <a:rPr lang="en-US" altLang="zh-CN" sz="1400" b="0" dirty="0">
+                <a:solidFill>
+                  <a:srgbClr val="000000"/>
+                </a:solidFill>
+                <a:effectLst/>
+                <a:latin typeface="Consolas" panose="020B0609020204030204" pitchFamily="49" charset="0"/>
+              </a:rPr>
+              <a:t>&gt; { inner: [</a:t>
+            </a:r>
+            <a:r>
+              <a:rPr lang="en-US" altLang="zh-CN" sz="1400" b="0" dirty="0">
+                <a:solidFill>
+                  <a:srgbClr val="098658"/>
+                </a:solidFill>
+                <a:effectLst/>
+                <a:latin typeface="Consolas" panose="020B0609020204030204" pitchFamily="49" charset="0"/>
+              </a:rPr>
+              <a:t>0</a:t>
+            </a:r>
+            <a:r>
+              <a:rPr lang="en-US" altLang="zh-CN" sz="1400" b="0" dirty="0">
+                <a:solidFill>
+                  <a:srgbClr val="000000"/>
+                </a:solidFill>
+                <a:effectLst/>
+                <a:latin typeface="Consolas" panose="020B0609020204030204" pitchFamily="49" charset="0"/>
+              </a:rPr>
+              <a:t>; </a:t>
+            </a:r>
+            <a:r>
+              <a:rPr lang="en-US" altLang="zh-CN" sz="1400" dirty="0">
+                <a:solidFill>
+                  <a:srgbClr val="098658"/>
+                </a:solidFill>
+                <a:latin typeface="Consolas" panose="020B0609020204030204" pitchFamily="49" charset="0"/>
+              </a:rPr>
+              <a:t>8</a:t>
+            </a:r>
+            <a:r>
+              <a:rPr lang="en-US" altLang="zh-CN" sz="1400" b="0" dirty="0">
+                <a:solidFill>
+                  <a:srgbClr val="000000"/>
+                </a:solidFill>
+                <a:effectLst/>
+                <a:latin typeface="Consolas" panose="020B0609020204030204" pitchFamily="49" charset="0"/>
+              </a:rPr>
+              <a:t>/</a:t>
+            </a:r>
+            <a:r>
+              <a:rPr lang="en-US" altLang="zh-CN" sz="1400" b="0" dirty="0">
+                <a:solidFill>
+                  <a:srgbClr val="098658"/>
+                </a:solidFill>
+                <a:effectLst/>
+                <a:latin typeface="Consolas" panose="020B0609020204030204" pitchFamily="49" charset="0"/>
+              </a:rPr>
+              <a:t>256</a:t>
+            </a:r>
+            <a:r>
+              <a:rPr lang="en-US" altLang="zh-CN" sz="1400" b="0" dirty="0">
+                <a:solidFill>
+                  <a:srgbClr val="000000"/>
+                </a:solidFill>
+                <a:effectLst/>
+                <a:latin typeface="Consolas" panose="020B0609020204030204" pitchFamily="49" charset="0"/>
+              </a:rPr>
+              <a:t>] } };</a:t>
+            </a:r>
+          </a:p>
+          <a:p>
+            <a:endParaRPr lang="en-US" altLang="zh-CN" sz="1400" dirty="0">
+              <a:solidFill>
+                <a:srgbClr val="333333"/>
+              </a:solidFill>
+              <a:latin typeface="Consolas" panose="020B0609020204030204" pitchFamily="49" charset="0"/>
+            </a:endParaRPr>
+          </a:p>
+        </p:txBody>
+      </p:sp>
+    </p:spTree>
+    <p:extLst>
+      <p:ext uri="{BB962C8B-B14F-4D97-AF65-F5344CB8AC3E}">
+        <p14:creationId xmlns:p14="http://schemas.microsoft.com/office/powerpoint/2010/main" val="2122907916"/>
+      </p:ext>
+    </p:extLst>
+  </p:cSld>
+  <p:clrMapOvr>
+    <a:masterClrMapping/>
+  </p:clrMapOvr>
+</p:sld>
+</file>
+
 <file path=ppt/theme/theme1.xml><?xml version="1.0" encoding="utf-8"?>
 <a:theme xmlns:a="http://schemas.openxmlformats.org/drawingml/2006/main" name="Office 主题​​">
   <a:themeElements>
